--- a/doc/Coin.pptx
+++ b/doc/Coin.pptx
@@ -16,13 +16,25 @@
     <p:sldId id="276" r:id="rId11"/>
     <p:sldId id="280" r:id="rId12"/>
     <p:sldId id="278" r:id="rId13"/>
-    <p:sldId id="259" r:id="rId14"/>
-    <p:sldId id="264" r:id="rId15"/>
-    <p:sldId id="265" r:id="rId16"/>
-    <p:sldId id="277" r:id="rId17"/>
-    <p:sldId id="273" r:id="rId18"/>
-    <p:sldId id="275" r:id="rId19"/>
-    <p:sldId id="274" r:id="rId20"/>
+    <p:sldId id="289" r:id="rId14"/>
+    <p:sldId id="259" r:id="rId15"/>
+    <p:sldId id="264" r:id="rId16"/>
+    <p:sldId id="265" r:id="rId17"/>
+    <p:sldId id="277" r:id="rId18"/>
+    <p:sldId id="273" r:id="rId19"/>
+    <p:sldId id="294" r:id="rId20"/>
+    <p:sldId id="296" r:id="rId21"/>
+    <p:sldId id="297" r:id="rId22"/>
+    <p:sldId id="290" r:id="rId23"/>
+    <p:sldId id="291" r:id="rId24"/>
+    <p:sldId id="292" r:id="rId25"/>
+    <p:sldId id="293" r:id="rId26"/>
+    <p:sldId id="295" r:id="rId27"/>
+    <p:sldId id="275" r:id="rId28"/>
+    <p:sldId id="274" r:id="rId29"/>
+    <p:sldId id="299" r:id="rId30"/>
+    <p:sldId id="301" r:id="rId31"/>
+    <p:sldId id="300" r:id="rId32"/>
   </p:sldIdLst>
   <p:sldSz cx="12192000" cy="6858000"/>
   <p:notesSz cx="7103745" cy="10234295"/>
@@ -2941,12 +2953,6 @@
         <p:txBody>
           <a:bodyPr/>
           <a:p>
-            <a:r>
-              <a:rPr lang="en-US" altLang="zh-CN">
-                <a:sym typeface="+mn-ea"/>
-              </a:rPr>
-              <a:t>Workman -&gt;GatewayWorker</a:t>
-            </a:r>
             <a:endParaRPr lang="zh-CN" altLang="en-US"/>
           </a:p>
         </p:txBody>
@@ -2966,16 +2972,39 @@
           <a:bodyPr/>
           <a:p>
             <a:r>
-              <a:rPr lang="en-US" altLang="zh-CN"/>
-              <a:t>php start.php start/stop/restart/status</a:t>
-            </a:r>
-            <a:endParaRPr lang="zh-CN" altLang="en-US"/>
+              <a:rPr lang="zh-CN" altLang="en-US"/>
+              <a:t>org.apache.rocketmq.client.exception.</a:t>
+            </a:r>
+            <a:r>
+              <a:rPr lang="zh-CN" altLang="en-US">
+                <a:solidFill>
+                  <a:srgbClr val="FF0000"/>
+                </a:solidFill>
+              </a:rPr>
+              <a:t>MQClientException</a:t>
+            </a:r>
+            <a:r>
+              <a:rPr lang="zh-CN" altLang="en-US"/>
+              <a:t>: No route info for this topic,</a:t>
+            </a:r>
+            <a:endParaRPr lang="zh-CN" altLang="en-US"/>
+          </a:p>
+          <a:p>
+            <a:r>
+              <a:rPr lang="zh-CN" altLang="en-US"/>
+              <a:t>手动创建</a:t>
+            </a:r>
+            <a:r>
+              <a:rPr lang="en-US" altLang="zh-CN"/>
+              <a:t>topic</a:t>
+            </a:r>
+            <a:endParaRPr lang="en-US" altLang="zh-CN"/>
           </a:p>
           <a:p>
             <a:pPr lvl="1"/>
             <a:r>
               <a:rPr lang="en-US" altLang="zh-CN"/>
-              <a:t>register:1238-&lt;gateway, worker&gt;</a:t>
+              <a:t>/root/Coin/apache-rocketmq/bin/mqadmin clusterList</a:t>
             </a:r>
             <a:endParaRPr lang="en-US" altLang="zh-CN"/>
           </a:p>
@@ -2983,27 +3012,7 @@
             <a:pPr lvl="1"/>
             <a:r>
               <a:rPr lang="en-US" altLang="zh-CN"/>
-              <a:t>gateway:8001 -&lt;</a:t>
-            </a:r>
-            <a:r>
-              <a:rPr lang="zh-CN" altLang="en-US"/>
-              <a:t>用户</a:t>
-            </a:r>
-            <a:r>
-              <a:rPr lang="en-US" altLang="zh-CN"/>
-              <a:t>&gt;</a:t>
-            </a:r>
-            <a:endParaRPr lang="en-US" altLang="zh-CN"/>
-          </a:p>
-          <a:p>
-            <a:pPr lvl="1"/>
-            <a:endParaRPr lang="en-US" altLang="zh-CN"/>
-          </a:p>
-          <a:p>
-            <a:pPr lvl="0"/>
-            <a:r>
-              <a:rPr lang="en-US" altLang="zh-CN"/>
-              <a:t>http://www.workerman.net/gatewaydoc/</a:t>
+              <a:t>/root/Coin/apache-rocketmq/bin/mqadmin updateTopic -c DefaultCluster -t tickerInfo -r 1 -w 1</a:t>
             </a:r>
             <a:endParaRPr lang="en-US" altLang="zh-CN"/>
           </a:p>
@@ -3042,69 +3051,70 @@
           <a:bodyPr/>
           <a:p>
             <a:r>
-              <a:rPr lang="en-US" altLang="zh-CN"/>
-              <a:t>Zookeeper</a:t>
+              <a:rPr lang="en-US" altLang="zh-CN">
+                <a:sym typeface="+mn-ea"/>
+              </a:rPr>
+              <a:t>Workman -&gt;GatewayWorker</a:t>
+            </a:r>
+            <a:endParaRPr lang="zh-CN" altLang="en-US"/>
+          </a:p>
+        </p:txBody>
+      </p:sp>
+      <p:sp>
+        <p:nvSpPr>
+          <p:cNvPr id="3" name="内容占位符 2"/>
+          <p:cNvSpPr>
+            <a:spLocks noGrp="1"/>
+          </p:cNvSpPr>
+          <p:nvPr>
+            <p:ph idx="1"/>
+          </p:nvPr>
+        </p:nvSpPr>
+        <p:spPr/>
+        <p:txBody>
+          <a:bodyPr/>
+          <a:p>
+            <a:r>
+              <a:rPr lang="en-US" altLang="zh-CN"/>
+              <a:t>php start.php start/stop/restart/status</a:t>
+            </a:r>
+            <a:endParaRPr lang="zh-CN" altLang="en-US"/>
+          </a:p>
+          <a:p>
+            <a:pPr lvl="1"/>
+            <a:r>
+              <a:rPr lang="en-US" altLang="zh-CN"/>
+              <a:t>register:1238-&lt;gateway, worker&gt;</a:t>
             </a:r>
             <a:endParaRPr lang="en-US" altLang="zh-CN"/>
           </a:p>
-        </p:txBody>
-      </p:sp>
-      <p:sp>
-        <p:nvSpPr>
-          <p:cNvPr id="3" name="内容占位符 2"/>
-          <p:cNvSpPr>
-            <a:spLocks noGrp="1"/>
-          </p:cNvSpPr>
-          <p:nvPr>
-            <p:ph idx="1"/>
-          </p:nvPr>
-        </p:nvSpPr>
-        <p:spPr/>
-        <p:txBody>
-          <a:bodyPr/>
-          <a:p>
-            <a:r>
-              <a:rPr lang="zh-CN" altLang="en-US"/>
-              <a:t>ZOOKEEPER_HOME="/root/Coin/zookeeper"</a:t>
-            </a:r>
-            <a:endParaRPr lang="zh-CN" altLang="en-US"/>
-          </a:p>
-          <a:p>
-            <a:r>
-              <a:rPr lang="zh-CN" altLang="en-US"/>
-              <a:t>PATH="/root/Coin/zookeeper/bin</a:t>
-            </a:r>
-            <a:r>
-              <a:rPr lang="zh-CN" altLang="en-US">
-                <a:sym typeface="+mn-ea"/>
-              </a:rPr>
-              <a:t>"</a:t>
-            </a:r>
-            <a:endParaRPr lang="zh-CN" altLang="en-US"/>
-          </a:p>
           <a:p>
             <a:pPr lvl="1"/>
             <a:r>
-              <a:rPr lang="zh-CN" altLang="en-US"/>
-              <a:t>zkServer.sh start</a:t>
-            </a:r>
-            <a:r>
-              <a:rPr lang="en-US" altLang="zh-CN"/>
-              <a:t>/stop</a:t>
+              <a:rPr lang="en-US" altLang="zh-CN"/>
+              <a:t>gateway:8001 -&lt;</a:t>
+            </a:r>
+            <a:r>
+              <a:rPr lang="zh-CN" altLang="en-US"/>
+              <a:t>用户</a:t>
+            </a:r>
+            <a:r>
+              <a:rPr lang="en-US" altLang="zh-CN"/>
+              <a:t>&gt;</a:t>
             </a:r>
             <a:endParaRPr lang="en-US" altLang="zh-CN"/>
           </a:p>
           <a:p>
             <a:pPr lvl="1"/>
-            <a:r>
-              <a:rPr lang="en-US" altLang="zh-CN"/>
-              <a:t>2181 &lt;storm.nimbus, storm.supervisor&gt;</a:t>
-            </a:r>
-            <a:endParaRPr lang="zh-CN" altLang="en-US"/>
-          </a:p>
-          <a:p>
-            <a:pPr lvl="2"/>
-            <a:endParaRPr lang="zh-CN" altLang="en-US"/>
+            <a:endParaRPr lang="en-US" altLang="zh-CN"/>
+          </a:p>
+          <a:p>
+            <a:pPr lvl="0"/>
+            <a:r>
+              <a:rPr lang="en-US" altLang="zh-CN"/>
+              <a:t>http://www.workerman.net/gatewaydoc/</a:t>
+            </a:r>
+            <a:endParaRPr lang="en-US" altLang="zh-CN"/>
           </a:p>
         </p:txBody>
       </p:sp>
@@ -3142,7 +3152,7 @@
           <a:p>
             <a:r>
               <a:rPr lang="en-US" altLang="zh-CN"/>
-              <a:t>Jstorm</a:t>
+              <a:t>Zookeeper</a:t>
             </a:r>
             <a:endParaRPr lang="en-US" altLang="zh-CN"/>
           </a:p>
@@ -3160,157 +3170,49 @@
         </p:nvSpPr>
         <p:spPr/>
         <p:txBody>
-          <a:bodyPr>
-            <a:normAutofit lnSpcReduction="10000"/>
-          </a:bodyPr>
-          <a:p>
-            <a:r>
-              <a:rPr lang="en-US" altLang="zh-CN">
-                <a:sym typeface="+mn-ea"/>
-              </a:rPr>
-              <a:t>http://www.jstorm.io/</a:t>
-            </a:r>
-            <a:endParaRPr lang="en-US" altLang="zh-CN">
-              <a:sym typeface="+mn-ea"/>
-            </a:endParaRPr>
-          </a:p>
-          <a:p>
-            <a:r>
-              <a:rPr lang="en-US" altLang="zh-CN">
-                <a:sym typeface="+mn-ea"/>
-              </a:rPr>
-              <a:t>JSTORM</a:t>
+          <a:bodyPr/>
+          <a:p>
+            <a:r>
+              <a:rPr lang="zh-CN" altLang="en-US"/>
+              <a:t>ZOOKEEPER_HOME="/root/Coin/zookeeper"</a:t>
+            </a:r>
+            <a:endParaRPr lang="zh-CN" altLang="en-US"/>
+          </a:p>
+          <a:p>
+            <a:r>
+              <a:rPr lang="zh-CN" altLang="en-US"/>
+              <a:t>PATH="/root/Coin/zookeeper/bin</a:t>
             </a:r>
             <a:r>
               <a:rPr lang="zh-CN" altLang="en-US">
                 <a:sym typeface="+mn-ea"/>
               </a:rPr>
-              <a:t>_HOME="/root/Coin/</a:t>
-            </a:r>
-            <a:r>
-              <a:rPr lang="en-US" altLang="zh-CN">
-                <a:sym typeface="+mn-ea"/>
-              </a:rPr>
-              <a:t>jstorm</a:t>
-            </a:r>
-            <a:r>
-              <a:rPr lang="zh-CN" altLang="en-US">
-                <a:sym typeface="+mn-ea"/>
-              </a:rPr>
               <a:t>"</a:t>
             </a:r>
             <a:endParaRPr lang="zh-CN" altLang="en-US"/>
           </a:p>
           <a:p>
-            <a:r>
-              <a:rPr lang="zh-CN" altLang="en-US">
-                <a:sym typeface="+mn-ea"/>
-              </a:rPr>
-              <a:t>PATH="/root/Coin/</a:t>
-            </a:r>
-            <a:r>
-              <a:rPr lang="en-US" altLang="zh-CN">
-                <a:sym typeface="+mn-ea"/>
-              </a:rPr>
-              <a:t>jstorm</a:t>
-            </a:r>
-            <a:r>
-              <a:rPr lang="zh-CN" altLang="en-US">
-                <a:sym typeface="+mn-ea"/>
-              </a:rPr>
-              <a:t>/bin"</a:t>
-            </a:r>
-            <a:endParaRPr lang="zh-CN" altLang="en-US"/>
-          </a:p>
-          <a:p>
-            <a:r>
-              <a:rPr lang="zh-CN" altLang="en-US"/>
-              <a:t>安装配置</a:t>
-            </a:r>
-            <a:endParaRPr lang="zh-CN" altLang="en-US"/>
-          </a:p>
-          <a:p>
             <a:pPr lvl="1"/>
             <a:r>
-              <a:rPr lang="zh-CN" altLang="en-US">
-                <a:hlinkClick r:id="rId1"/>
-              </a:rPr>
-              <a:t>http://blog.csdn.net/szzhaom/article/details/41778763</a:t>
-            </a:r>
-            <a:endParaRPr lang="zh-CN" altLang="en-US">
-              <a:hlinkClick r:id="rId1"/>
-            </a:endParaRPr>
+              <a:rPr lang="zh-CN" altLang="en-US"/>
+              <a:t>zkServer.sh start</a:t>
+            </a:r>
+            <a:r>
+              <a:rPr lang="en-US" altLang="zh-CN"/>
+              <a:t>/stop</a:t>
+            </a:r>
+            <a:endParaRPr lang="en-US" altLang="zh-CN"/>
           </a:p>
           <a:p>
             <a:pPr lvl="1"/>
             <a:r>
-              <a:rPr lang="zh-CN" altLang="en-US"/>
-              <a:t>nimbus.childopts: "-Xms</a:t>
-            </a:r>
-            <a:r>
-              <a:rPr lang="en-US" altLang="zh-CN"/>
-              <a:t>512m</a:t>
-            </a:r>
-            <a:r>
-              <a:rPr lang="zh-CN" altLang="en-US"/>
-              <a:t> -Xmx</a:t>
-            </a:r>
-            <a:r>
-              <a:rPr lang="en-US" altLang="zh-CN"/>
-              <a:t>512m</a:t>
-            </a:r>
-            <a:r>
-              <a:rPr lang="zh-CN" altLang="en-US"/>
-              <a:t> -Xmn</a:t>
-            </a:r>
-            <a:r>
-              <a:rPr lang="en-US" altLang="zh-CN"/>
-              <a:t>256</a:t>
-            </a:r>
-            <a:r>
-              <a:rPr lang="zh-CN" altLang="en-US"/>
-              <a:t>m</a:t>
-            </a:r>
-            <a:r>
-              <a:rPr lang="zh-CN" altLang="en-US">
-                <a:sym typeface="+mn-ea"/>
-              </a:rPr>
-              <a:t>"</a:t>
-            </a:r>
-            <a:endParaRPr lang="en-US" altLang="zh-CN">
-              <a:hlinkClick r:id="rId1"/>
-            </a:endParaRPr>
-          </a:p>
-          <a:p>
-            <a:pPr lvl="0"/>
-            <a:r>
-              <a:rPr lang="zh-CN" altLang="en-US"/>
-              <a:t>nohup jstorm nimbus &amp;  </a:t>
-            </a:r>
-            <a:endParaRPr lang="zh-CN" altLang="en-US"/>
-          </a:p>
-          <a:p>
-            <a:pPr lvl="1"/>
-            <a:r>
-              <a:rPr lang="zh-CN" altLang="en-US"/>
-              <a:t>$JSTORM_HOME/logs/nimbus.log</a:t>
-            </a:r>
-            <a:endParaRPr lang="zh-CN" altLang="en-US"/>
-          </a:p>
-          <a:p>
-            <a:pPr lvl="0"/>
-            <a:r>
-              <a:rPr lang="zh-CN" altLang="en-US"/>
-              <a:t>nohup jstorm supervisor &amp; </a:t>
-            </a:r>
-            <a:endParaRPr lang="zh-CN" altLang="en-US"/>
-          </a:p>
-          <a:p>
-            <a:pPr lvl="1"/>
-            <a:r>
-              <a:rPr lang="zh-CN" altLang="en-US"/>
-              <a:t>$JSTORM_HOME/logs/supervisor.log</a:t>
-            </a:r>
+              <a:rPr lang="en-US" altLang="zh-CN"/>
+              <a:t>2181 &lt;storm.nimbus, storm.supervisor&gt;</a:t>
+            </a:r>
+            <a:endParaRPr lang="zh-CN" altLang="en-US"/>
+          </a:p>
+          <a:p>
+            <a:pPr lvl="2"/>
             <a:endParaRPr lang="zh-CN" altLang="en-US"/>
           </a:p>
         </p:txBody>
@@ -3349,7 +3251,7 @@
           <a:p>
             <a:r>
               <a:rPr lang="en-US" altLang="zh-CN"/>
-              <a:t>JStorm ui</a:t>
+              <a:t>Jstorm</a:t>
             </a:r>
             <a:endParaRPr lang="en-US" altLang="zh-CN"/>
           </a:p>
@@ -3367,57 +3269,158 @@
         </p:nvSpPr>
         <p:spPr/>
         <p:txBody>
-          <a:bodyPr/>
-          <a:p>
-            <a:r>
-              <a:rPr lang="en-US" altLang="zh-CN"/>
-              <a:t>Conf/server.xml</a:t>
-            </a:r>
-            <a:endParaRPr lang="en-US" altLang="zh-CN"/>
+          <a:bodyPr>
+            <a:normAutofit lnSpcReduction="10000"/>
+          </a:bodyPr>
+          <a:p>
+            <a:r>
+              <a:rPr lang="en-US" altLang="zh-CN">
+                <a:sym typeface="+mn-ea"/>
+              </a:rPr>
+              <a:t>http://www.jstorm.io/</a:t>
+            </a:r>
+            <a:endParaRPr lang="en-US" altLang="zh-CN">
+              <a:sym typeface="+mn-ea"/>
+            </a:endParaRPr>
+          </a:p>
+          <a:p>
+            <a:r>
+              <a:rPr lang="en-US" altLang="zh-CN">
+                <a:sym typeface="+mn-ea"/>
+              </a:rPr>
+              <a:t>JSTORM</a:t>
+            </a:r>
+            <a:r>
+              <a:rPr lang="zh-CN" altLang="en-US">
+                <a:sym typeface="+mn-ea"/>
+              </a:rPr>
+              <a:t>_HOME="/root/Coin/</a:t>
+            </a:r>
+            <a:r>
+              <a:rPr lang="en-US" altLang="zh-CN">
+                <a:sym typeface="+mn-ea"/>
+              </a:rPr>
+              <a:t>jstorm</a:t>
+            </a:r>
+            <a:r>
+              <a:rPr lang="zh-CN" altLang="en-US">
+                <a:sym typeface="+mn-ea"/>
+              </a:rPr>
+              <a:t>"</a:t>
+            </a:r>
+            <a:endParaRPr lang="zh-CN" altLang="en-US"/>
+          </a:p>
+          <a:p>
+            <a:r>
+              <a:rPr lang="zh-CN" altLang="en-US">
+                <a:sym typeface="+mn-ea"/>
+              </a:rPr>
+              <a:t>PATH="/root/Coin/</a:t>
+            </a:r>
+            <a:r>
+              <a:rPr lang="en-US" altLang="zh-CN">
+                <a:sym typeface="+mn-ea"/>
+              </a:rPr>
+              <a:t>jstorm</a:t>
+            </a:r>
+            <a:r>
+              <a:rPr lang="zh-CN" altLang="en-US">
+                <a:sym typeface="+mn-ea"/>
+              </a:rPr>
+              <a:t>/bin"</a:t>
+            </a:r>
+            <a:endParaRPr lang="zh-CN" altLang="en-US"/>
+          </a:p>
+          <a:p>
+            <a:r>
+              <a:rPr lang="zh-CN" altLang="en-US"/>
+              <a:t>安装配置</a:t>
+            </a:r>
+            <a:endParaRPr lang="zh-CN" altLang="en-US"/>
           </a:p>
           <a:p>
             <a:pPr lvl="1"/>
             <a:r>
-              <a:rPr lang="en-US" altLang="zh-CN"/>
-              <a:t>&lt;Connector port="8081" protocol="HTTP/1.1"</a:t>
-            </a:r>
-            <a:endParaRPr lang="en-US" altLang="zh-CN"/>
+              <a:rPr lang="zh-CN" altLang="en-US">
+                <a:hlinkClick r:id="rId1"/>
+              </a:rPr>
+              <a:t>http://blog.csdn.net/szzhaom/article/details/41778763</a:t>
+            </a:r>
+            <a:endParaRPr lang="zh-CN" altLang="en-US">
+              <a:hlinkClick r:id="rId1"/>
+            </a:endParaRPr>
           </a:p>
           <a:p>
             <a:pPr lvl="1"/>
             <a:r>
-              <a:rPr lang="en-US" altLang="zh-CN"/>
-              <a:t>&lt;Host name="182.92.150.57"  appBase="webapps"</a:t>
-            </a:r>
-            <a:endParaRPr lang="en-US" altLang="zh-CN"/>
+              <a:rPr lang="zh-CN" altLang="en-US"/>
+              <a:t>nimbus.childopts: "-Xms</a:t>
+            </a:r>
+            <a:r>
+              <a:rPr lang="en-US" altLang="zh-CN"/>
+              <a:t>512m</a:t>
+            </a:r>
+            <a:r>
+              <a:rPr lang="zh-CN" altLang="en-US"/>
+              <a:t> -Xmx</a:t>
+            </a:r>
+            <a:r>
+              <a:rPr lang="en-US" altLang="zh-CN"/>
+              <a:t>512m</a:t>
+            </a:r>
+            <a:r>
+              <a:rPr lang="zh-CN" altLang="en-US"/>
+              <a:t> -Xmn</a:t>
+            </a:r>
+            <a:r>
+              <a:rPr lang="en-US" altLang="zh-CN"/>
+              <a:t>256</a:t>
+            </a:r>
+            <a:r>
+              <a:rPr lang="zh-CN" altLang="en-US"/>
+              <a:t>m</a:t>
+            </a:r>
+            <a:r>
+              <a:rPr lang="zh-CN" altLang="en-US">
+                <a:sym typeface="+mn-ea"/>
+              </a:rPr>
+              <a:t>"</a:t>
+            </a:r>
+            <a:endParaRPr lang="en-US" altLang="zh-CN">
+              <a:hlinkClick r:id="rId1"/>
+            </a:endParaRPr>
+          </a:p>
+          <a:p>
+            <a:pPr lvl="0"/>
+            <a:r>
+              <a:rPr lang="zh-CN" altLang="en-US"/>
+              <a:t>nohup jstorm nimbus &amp;  </a:t>
+            </a:r>
+            <a:endParaRPr lang="zh-CN" altLang="en-US"/>
           </a:p>
           <a:p>
             <a:pPr lvl="1"/>
             <a:r>
-              <a:rPr lang="en-US" altLang="zh-CN"/>
-              <a:t>&lt;Context docBase="/root/Coin/apache-tomcat-7.0.82/webapps/jstorm-ui-2.2.1.war" path="/jstorm" reloadable = "true" /&gt;</a:t>
-            </a:r>
-            <a:endParaRPr lang="en-US" altLang="zh-CN"/>
+              <a:rPr lang="zh-CN" altLang="en-US"/>
+              <a:t>$JSTORM_HOME/logs/nimbus.log</a:t>
+            </a:r>
+            <a:endParaRPr lang="zh-CN" altLang="en-US"/>
           </a:p>
           <a:p>
             <a:pPr lvl="0"/>
             <a:r>
-              <a:rPr lang="en-US" altLang="zh-CN"/>
-              <a:t>./bin/catalina.sh start</a:t>
-            </a:r>
-            <a:endParaRPr lang="en-US" altLang="zh-CN"/>
-          </a:p>
-          <a:p>
-            <a:pPr lvl="0"/>
-            <a:r>
-              <a:rPr lang="en-US" altLang="zh-CN"/>
-              <a:t>http://182.92.150.57:8081/jstorm/</a:t>
-            </a:r>
-            <a:endParaRPr lang="en-US" altLang="zh-CN"/>
-          </a:p>
-          <a:p>
-            <a:pPr lvl="0"/>
-            <a:endParaRPr lang="en-US" altLang="zh-CN"/>
+              <a:rPr lang="zh-CN" altLang="en-US"/>
+              <a:t>nohup jstorm supervisor &amp; </a:t>
+            </a:r>
+            <a:endParaRPr lang="zh-CN" altLang="en-US"/>
+          </a:p>
+          <a:p>
+            <a:pPr lvl="1"/>
+            <a:r>
+              <a:rPr lang="zh-CN" altLang="en-US"/>
+              <a:t>$JSTORM_HOME/logs/supervisor.log</a:t>
+            </a:r>
+            <a:endParaRPr lang="zh-CN" altLang="en-US"/>
           </a:p>
         </p:txBody>
       </p:sp>
@@ -3455,7 +3458,7 @@
           <a:p>
             <a:r>
               <a:rPr lang="en-US" altLang="zh-CN"/>
-              <a:t>Jstorm</a:t>
+              <a:t>JStorm ui</a:t>
             </a:r>
             <a:endParaRPr lang="en-US" altLang="zh-CN"/>
           </a:p>
@@ -3476,37 +3479,54 @@
           <a:bodyPr/>
           <a:p>
             <a:r>
-              <a:rPr lang="zh-CN" altLang="en-US"/>
-              <a:t>提交</a:t>
-            </a:r>
-            <a:r>
-              <a:rPr lang="en-US" altLang="zh-CN"/>
-              <a:t>Topology</a:t>
+              <a:rPr lang="en-US" altLang="zh-CN"/>
+              <a:t>Conf/server.xml</a:t>
             </a:r>
             <a:endParaRPr lang="en-US" altLang="zh-CN"/>
           </a:p>
           <a:p>
             <a:pPr lvl="1"/>
             <a:r>
-              <a:rPr lang="zh-CN" altLang="en-US"/>
-              <a:t>jstorm jar xxxxxx.jar com.alibaba.xxxx.xx parameter</a:t>
-            </a:r>
-            <a:endParaRPr lang="zh-CN" altLang="en-US"/>
+              <a:rPr lang="en-US" altLang="zh-CN"/>
+              <a:t>&lt;Connector port="8081" protocol="HTTP/1.1"</a:t>
+            </a:r>
+            <a:endParaRPr lang="en-US" altLang="zh-CN"/>
           </a:p>
           <a:p>
             <a:pPr lvl="1"/>
             <a:r>
-              <a:rPr lang="zh-CN" altLang="en-US"/>
-              <a:t>jstorm jar ExchangeAgg-0.0.1-SNAPSHOT-jar-with-dependencies.jar com.zdx.storm.TestStormTopology teststorm.yaml</a:t>
-            </a:r>
-            <a:endParaRPr lang="zh-CN" altLang="en-US"/>
-          </a:p>
-          <a:p>
-            <a:r>
-              <a:rPr lang="zh-CN" altLang="en-US"/>
-              <a:t>jstorm list</a:t>
-            </a:r>
-            <a:endParaRPr lang="zh-CN" altLang="en-US"/>
+              <a:rPr lang="en-US" altLang="zh-CN"/>
+              <a:t>&lt;Host name="182.92.150.57"  appBase="webapps"</a:t>
+            </a:r>
+            <a:endParaRPr lang="en-US" altLang="zh-CN"/>
+          </a:p>
+          <a:p>
+            <a:pPr lvl="1"/>
+            <a:r>
+              <a:rPr lang="en-US" altLang="zh-CN"/>
+              <a:t>&lt;Context docBase="/root/Coin/apache-tomcat-7.0.82/webapps/jstorm-ui-2.2.1.war" path="/jstorm" reloadable = "true" /&gt;</a:t>
+            </a:r>
+            <a:endParaRPr lang="en-US" altLang="zh-CN"/>
+          </a:p>
+          <a:p>
+            <a:pPr lvl="0"/>
+            <a:r>
+              <a:rPr lang="en-US" altLang="zh-CN"/>
+              <a:t>./bin/catalina.sh start</a:t>
+            </a:r>
+            <a:endParaRPr lang="en-US" altLang="zh-CN"/>
+          </a:p>
+          <a:p>
+            <a:pPr lvl="0"/>
+            <a:r>
+              <a:rPr lang="en-US" altLang="zh-CN"/>
+              <a:t>http://182.92.150.57:8081/jstorm/</a:t>
+            </a:r>
+            <a:endParaRPr lang="en-US" altLang="zh-CN"/>
+          </a:p>
+          <a:p>
+            <a:pPr lvl="0"/>
+            <a:endParaRPr lang="en-US" altLang="zh-CN"/>
           </a:p>
         </p:txBody>
       </p:sp>
@@ -3543,8 +3563,8 @@
           <a:bodyPr/>
           <a:p>
             <a:r>
-              <a:rPr lang="zh-CN" altLang="en-US"/>
-              <a:t>例子：com.zdx.rocketmq </a:t>
+              <a:rPr lang="en-US" altLang="zh-CN"/>
+              <a:t>Jstorm</a:t>
             </a:r>
             <a:endParaRPr lang="en-US" altLang="zh-CN"/>
           </a:p>
@@ -3562,175 +3582,39 @@
         </p:nvSpPr>
         <p:spPr/>
         <p:txBody>
-          <a:bodyPr>
-            <a:normAutofit fontScale="80000"/>
-          </a:bodyPr>
-          <a:p>
-            <a:r>
-              <a:rPr lang="zh-CN" altLang="en-US" sz="2800">
-                <a:sym typeface="+mn-ea"/>
-              </a:rPr>
-              <a:t>生产消息</a:t>
-            </a:r>
-            <a:endParaRPr lang="zh-CN" altLang="en-US" sz="2800"/>
+          <a:bodyPr/>
+          <a:p>
+            <a:r>
+              <a:rPr lang="zh-CN" altLang="en-US"/>
+              <a:t>提交</a:t>
+            </a:r>
+            <a:r>
+              <a:rPr lang="en-US" altLang="zh-CN"/>
+              <a:t>Topology</a:t>
+            </a:r>
+            <a:endParaRPr lang="en-US" altLang="zh-CN"/>
           </a:p>
           <a:p>
             <a:pPr lvl="1"/>
             <a:r>
-              <a:rPr lang="en-US" altLang="zh-CN" sz="2800">
-                <a:sym typeface="+mn-ea"/>
-              </a:rPr>
-              <a:t>Parallec </a:t>
-            </a:r>
-            <a:r>
-              <a:rPr lang="zh-CN" altLang="en-US" sz="2800">
-                <a:sym typeface="+mn-ea"/>
-              </a:rPr>
-              <a:t>采集数据 发送给 </a:t>
-            </a:r>
-            <a:r>
-              <a:rPr lang="en-US" altLang="zh-CN" sz="2800">
-                <a:sym typeface="+mn-ea"/>
-              </a:rPr>
-              <a:t>RocketMQ</a:t>
-            </a:r>
-            <a:r>
-              <a:rPr lang="zh-CN" altLang="en-US" sz="2800">
-                <a:sym typeface="+mn-ea"/>
-              </a:rPr>
-              <a:t>的</a:t>
-            </a:r>
-            <a:r>
-              <a:rPr lang="en-US" altLang="zh-CN" sz="2800">
-                <a:sym typeface="+mn-ea"/>
-              </a:rPr>
-              <a:t>broker</a:t>
-            </a:r>
-            <a:endParaRPr lang="en-US" altLang="zh-CN" sz="2800"/>
-          </a:p>
-          <a:p>
-            <a:pPr lvl="0"/>
-            <a:r>
-              <a:rPr lang="zh-CN" altLang="en-US" sz="2800">
-                <a:sym typeface="+mn-ea"/>
-              </a:rPr>
-              <a:t>消费消息</a:t>
-            </a:r>
-            <a:endParaRPr lang="zh-CN" altLang="en-US" sz="2800"/>
+              <a:rPr lang="zh-CN" altLang="en-US"/>
+              <a:t>jstorm jar xxxxxx.jar com.alibaba.xxxx.xx parameter</a:t>
+            </a:r>
+            <a:endParaRPr lang="zh-CN" altLang="en-US"/>
           </a:p>
           <a:p>
             <a:pPr lvl="1"/>
             <a:r>
-              <a:rPr lang="zh-CN" altLang="en-US" sz="2800">
-                <a:sym typeface="+mn-ea"/>
-              </a:rPr>
-              <a:t>从</a:t>
-            </a:r>
-            <a:r>
-              <a:rPr lang="en-US" altLang="zh-CN" sz="2800">
-                <a:sym typeface="+mn-ea"/>
-              </a:rPr>
-              <a:t>RocketMQ</a:t>
-            </a:r>
-            <a:r>
-              <a:rPr lang="zh-CN" altLang="en-US" sz="2800">
-                <a:sym typeface="+mn-ea"/>
-              </a:rPr>
-              <a:t>的</a:t>
-            </a:r>
-            <a:r>
-              <a:rPr lang="en-US" altLang="zh-CN" sz="2800">
-                <a:sym typeface="+mn-ea"/>
-              </a:rPr>
-              <a:t>broker</a:t>
-            </a:r>
-            <a:r>
-              <a:rPr lang="zh-CN" altLang="en-US" sz="2800">
-                <a:sym typeface="+mn-ea"/>
-              </a:rPr>
-              <a:t>取出消息</a:t>
-            </a:r>
-            <a:endParaRPr lang="zh-CN" altLang="en-US" sz="2800">
-              <a:sym typeface="+mn-ea"/>
-            </a:endParaRPr>
-          </a:p>
-          <a:p>
-            <a:pPr lvl="1"/>
-            <a:r>
-              <a:rPr lang="zh-CN" altLang="en-US" sz="2800">
-                <a:sym typeface="+mn-ea"/>
-              </a:rPr>
-              <a:t>将消息发送给</a:t>
-            </a:r>
-            <a:r>
-              <a:rPr lang="en-US" altLang="zh-CN" sz="2800">
-                <a:sym typeface="+mn-ea"/>
-              </a:rPr>
-              <a:t>GatewayWorker</a:t>
-            </a:r>
-            <a:endParaRPr lang="en-US" altLang="zh-CN" sz="2800">
-              <a:sym typeface="+mn-ea"/>
-            </a:endParaRPr>
-          </a:p>
-          <a:p>
-            <a:pPr lvl="0"/>
-            <a:r>
-              <a:rPr lang="zh-CN" altLang="en-US" sz="3265">
-                <a:sym typeface="+mn-ea"/>
-              </a:rPr>
-              <a:t>客户端连接</a:t>
-            </a:r>
-            <a:r>
-              <a:rPr lang="en-US" altLang="zh-CN" sz="3265">
-                <a:sym typeface="+mn-ea"/>
-              </a:rPr>
-              <a:t>GatewayWorker</a:t>
-            </a:r>
-            <a:endParaRPr lang="en-US" altLang="zh-CN" sz="3265">
-              <a:sym typeface="+mn-ea"/>
-            </a:endParaRPr>
-          </a:p>
-          <a:p>
-            <a:pPr lvl="1"/>
-            <a:r>
-              <a:rPr lang="en-US" altLang="zh-CN" sz="2395">
-                <a:sym typeface="+mn-ea"/>
-              </a:rPr>
-              <a:t>GatewayWorker</a:t>
-            </a:r>
-            <a:r>
-              <a:rPr lang="zh-CN" altLang="en-US" sz="2395">
-                <a:sym typeface="+mn-ea"/>
-              </a:rPr>
-              <a:t>将消息推送到浏览器</a:t>
-            </a:r>
-            <a:endParaRPr lang="zh-CN" altLang="en-US" sz="2395">
-              <a:sym typeface="+mn-ea"/>
-            </a:endParaRPr>
-          </a:p>
-          <a:p>
-            <a:endParaRPr lang="zh-CN" altLang="en-US"/>
-          </a:p>
-          <a:p>
-            <a:r>
-              <a:rPr lang="zh-CN" altLang="en-US"/>
-              <a:t>Res = {"date":"1509326916","ticker":{"high":"314.95","vol":"668.68","last":"311.18","low":"293.68","buy":"310.15","sell":"311.18"},</a:t>
-            </a:r>
-            <a:r>
-              <a:rPr lang="zh-CN" altLang="en-US">
-                <a:solidFill>
-                  <a:srgbClr val="FF0000"/>
-                </a:solidFill>
-              </a:rPr>
-              <a:t>"host":"okcoin.com"</a:t>
-            </a:r>
-            <a:r>
-              <a:rPr lang="zh-CN" altLang="en-US"/>
-              <a:t>}</a:t>
-            </a:r>
-            <a:endParaRPr lang="zh-CN" altLang="en-US"/>
-          </a:p>
-          <a:p>
+              <a:rPr lang="zh-CN" altLang="en-US"/>
+              <a:t>jstorm jar ExchangeAgg-0.0.1-SNAPSHOT-jar-with-dependencies.jar com.zdx.storm.TestStormTopology teststorm.yaml</a:t>
+            </a:r>
+            <a:endParaRPr lang="zh-CN" altLang="en-US"/>
+          </a:p>
+          <a:p>
+            <a:r>
+              <a:rPr lang="zh-CN" altLang="en-US"/>
+              <a:t>jstorm list</a:t>
+            </a:r>
             <a:endParaRPr lang="zh-CN" altLang="en-US"/>
           </a:p>
         </p:txBody>
@@ -3767,10 +3651,6 @@
         <p:txBody>
           <a:bodyPr/>
           <a:p>
-            <a:r>
-              <a:rPr lang="zh-CN" altLang="en-US"/>
-              <a:t>例子</a:t>
-            </a:r>
             <a:endParaRPr lang="zh-CN" altLang="en-US"/>
           </a:p>
         </p:txBody>
@@ -3791,113 +3671,101 @@
           <a:p>
             <a:r>
               <a:rPr lang="zh-CN" altLang="en-US"/>
-              <a:t>生产消息</a:t>
-            </a:r>
-            <a:endParaRPr lang="zh-CN" altLang="en-US"/>
-          </a:p>
-          <a:p>
-            <a:pPr lvl="1"/>
-            <a:r>
-              <a:rPr lang="en-US" altLang="zh-CN"/>
-              <a:t>Parallec </a:t>
-            </a:r>
-            <a:r>
-              <a:rPr lang="zh-CN" altLang="en-US"/>
-              <a:t>采集数据 发送给 </a:t>
-            </a:r>
-            <a:r>
-              <a:rPr lang="en-US" altLang="zh-CN"/>
-              <a:t>RocketMQ</a:t>
-            </a:r>
-            <a:r>
-              <a:rPr lang="zh-CN" altLang="en-US"/>
-              <a:t>的</a:t>
-            </a:r>
-            <a:r>
-              <a:rPr lang="en-US" altLang="zh-CN"/>
-              <a:t>broker</a:t>
+              <a:t>架构</a:t>
+            </a:r>
+            <a:endParaRPr lang="zh-CN" altLang="en-US"/>
+          </a:p>
+          <a:p>
+            <a:r>
+              <a:rPr lang="zh-CN" altLang="en-US"/>
+              <a:t>https://www.cnblogs.com/antispam/p/4182210.html</a:t>
+            </a:r>
+            <a:endParaRPr lang="zh-CN" altLang="en-US"/>
+          </a:p>
+        </p:txBody>
+      </p:sp>
+    </p:spTree>
+  </p:cSld>
+  <p:clrMapOvr>
+    <a:masterClrMapping/>
+  </p:clrMapOvr>
+</p:sld>
+</file>
+
+<file path=ppt/slides/slide19.xml><?xml version="1.0" encoding="utf-8"?>
+<p:sld xmlns:a="http://schemas.openxmlformats.org/drawingml/2006/main" xmlns:r="http://schemas.openxmlformats.org/officeDocument/2006/relationships" xmlns:p="http://schemas.openxmlformats.org/presentationml/2006/main">
+  <p:cSld>
+    <p:spTree>
+      <p:nvGrpSpPr>
+        <p:cNvPr id="1" name=""/>
+        <p:cNvGrpSpPr/>
+        <p:nvPr/>
+      </p:nvGrpSpPr>
+      <p:grpSpPr/>
+      <p:sp>
+        <p:nvSpPr>
+          <p:cNvPr id="2" name="标题 1"/>
+          <p:cNvSpPr>
+            <a:spLocks noGrp="1"/>
+          </p:cNvSpPr>
+          <p:nvPr>
+            <p:ph type="title"/>
+          </p:nvPr>
+        </p:nvSpPr>
+        <p:spPr/>
+        <p:txBody>
+          <a:bodyPr/>
+          <a:p>
+            <a:r>
+              <a:rPr lang="zh-CN" altLang="en-US"/>
+              <a:t>端口占用</a:t>
+            </a:r>
+            <a:r>
+              <a:rPr lang="en-US" altLang="zh-CN"/>
+              <a:t>6900</a:t>
             </a:r>
             <a:endParaRPr lang="en-US" altLang="zh-CN"/>
           </a:p>
-          <a:p>
-            <a:pPr lvl="0"/>
-            <a:r>
-              <a:rPr lang="zh-CN" altLang="en-US"/>
-              <a:t>消费消息</a:t>
-            </a:r>
-            <a:endParaRPr lang="zh-CN" altLang="en-US"/>
-          </a:p>
-          <a:p>
-            <a:pPr lvl="1"/>
-            <a:r>
-              <a:rPr lang="en-US" altLang="zh-CN">
-                <a:sym typeface="+mn-ea"/>
-              </a:rPr>
-              <a:t>JStorm-&gt;Spout</a:t>
-            </a:r>
-            <a:r>
-              <a:rPr lang="zh-CN" altLang="en-US">
-                <a:sym typeface="+mn-ea"/>
-              </a:rPr>
-              <a:t>从</a:t>
-            </a:r>
-            <a:r>
-              <a:rPr lang="en-US" altLang="zh-CN">
-                <a:sym typeface="+mn-ea"/>
-              </a:rPr>
-              <a:t>RocketMQ</a:t>
-            </a:r>
-            <a:r>
-              <a:rPr lang="zh-CN" altLang="en-US">
-                <a:sym typeface="+mn-ea"/>
-              </a:rPr>
-              <a:t>的</a:t>
-            </a:r>
-            <a:r>
-              <a:rPr lang="en-US" altLang="zh-CN">
-                <a:sym typeface="+mn-ea"/>
-              </a:rPr>
-              <a:t>broker</a:t>
-            </a:r>
-            <a:r>
-              <a:rPr lang="zh-CN" altLang="en-US">
-                <a:sym typeface="+mn-ea"/>
-              </a:rPr>
-              <a:t>取出消息</a:t>
-            </a:r>
-            <a:endParaRPr lang="en-US" altLang="zh-CN">
-              <a:sym typeface="+mn-ea"/>
-            </a:endParaRPr>
-          </a:p>
-          <a:p>
-            <a:pPr lvl="1"/>
-            <a:r>
-              <a:rPr lang="zh-CN" altLang="en-US">
-                <a:sym typeface="+mn-ea"/>
-              </a:rPr>
-              <a:t>传递消息给</a:t>
-            </a:r>
-            <a:r>
-              <a:rPr lang="en-US" altLang="zh-CN">
-                <a:sym typeface="+mn-ea"/>
-              </a:rPr>
-              <a:t>JStorm-&gt;Bolt</a:t>
-            </a:r>
-            <a:endParaRPr lang="en-US" altLang="zh-CN">
-              <a:sym typeface="+mn-ea"/>
-            </a:endParaRPr>
-          </a:p>
-          <a:p>
-            <a:pPr lvl="1"/>
-            <a:r>
-              <a:rPr lang="en-US" altLang="zh-CN">
-                <a:sym typeface="+mn-ea"/>
-              </a:rPr>
-              <a:t>Bolt-&gt;GatewayWorker</a:t>
-            </a:r>
-            <a:endParaRPr lang="en-US" altLang="zh-CN">
-              <a:sym typeface="+mn-ea"/>
-            </a:endParaRPr>
+        </p:txBody>
+      </p:sp>
+      <p:sp>
+        <p:nvSpPr>
+          <p:cNvPr id="3" name="内容占位符 2"/>
+          <p:cNvSpPr>
+            <a:spLocks noGrp="1"/>
+          </p:cNvSpPr>
+          <p:nvPr>
+            <p:ph idx="1"/>
+          </p:nvPr>
+        </p:nvSpPr>
+        <p:spPr/>
+        <p:txBody>
+          <a:bodyPr/>
+          <a:p>
+            <a:r>
+              <a:rPr lang="zh-CN" altLang="en-US"/>
+              <a:t>修改</a:t>
+            </a:r>
+            <a:r>
+              <a:rPr lang="en-US" altLang="zh-CN"/>
+              <a:t>storm.yaml</a:t>
+            </a:r>
+            <a:r>
+              <a:rPr lang="zh-CN" altLang="en-US"/>
+              <a:t>，开启多端口</a:t>
+            </a:r>
+            <a:endParaRPr lang="zh-CN" altLang="en-US"/>
+          </a:p>
+          <a:p>
+            <a:r>
+              <a:rPr lang="zh-CN" altLang="en-US"/>
+              <a:t>远程提交</a:t>
+            </a:r>
+            <a:r>
+              <a:rPr lang="en-US" altLang="zh-CN"/>
+              <a:t>topology</a:t>
+            </a:r>
+            <a:endParaRPr lang="en-US" altLang="zh-CN"/>
           </a:p>
         </p:txBody>
       </p:sp>
@@ -3986,6 +3854,1432 @@
 </p:sld>
 </file>
 
+<file path=ppt/slides/slide20.xml><?xml version="1.0" encoding="utf-8"?>
+<p:sld xmlns:a="http://schemas.openxmlformats.org/drawingml/2006/main" xmlns:r="http://schemas.openxmlformats.org/officeDocument/2006/relationships" xmlns:p="http://schemas.openxmlformats.org/presentationml/2006/main">
+  <p:cSld>
+    <p:spTree>
+      <p:nvGrpSpPr>
+        <p:cNvPr id="1" name=""/>
+        <p:cNvGrpSpPr/>
+        <p:nvPr/>
+      </p:nvGrpSpPr>
+      <p:grpSpPr/>
+      <p:sp>
+        <p:nvSpPr>
+          <p:cNvPr id="2" name="标题 1"/>
+          <p:cNvSpPr>
+            <a:spLocks noGrp="1"/>
+          </p:cNvSpPr>
+          <p:nvPr>
+            <p:ph type="title"/>
+          </p:nvPr>
+        </p:nvSpPr>
+        <p:spPr/>
+        <p:txBody>
+          <a:bodyPr>
+            <a:normAutofit/>
+          </a:bodyPr>
+          <a:p>
+            <a:r>
+              <a:rPr lang="zh-CN" altLang="en-US">
+                <a:sym typeface="+mn-ea"/>
+              </a:rPr>
+              <a:t>远程提交</a:t>
+            </a:r>
+            <a:r>
+              <a:rPr lang="en-US" altLang="zh-CN">
+                <a:sym typeface="+mn-ea"/>
+              </a:rPr>
+              <a:t>topology</a:t>
+            </a:r>
+            <a:endParaRPr lang="zh-CN" altLang="en-US"/>
+          </a:p>
+        </p:txBody>
+      </p:sp>
+      <p:sp>
+        <p:nvSpPr>
+          <p:cNvPr id="3" name="内容占位符 2"/>
+          <p:cNvSpPr>
+            <a:spLocks noGrp="1"/>
+          </p:cNvSpPr>
+          <p:nvPr>
+            <p:ph idx="1"/>
+          </p:nvPr>
+        </p:nvSpPr>
+        <p:spPr/>
+        <p:txBody>
+          <a:bodyPr/>
+          <a:p>
+            <a:r>
+              <a:rPr lang="zh-CN" altLang="en-US"/>
+              <a:t>出错</a:t>
+            </a:r>
+            <a:endParaRPr lang="zh-CN" altLang="en-US"/>
+          </a:p>
+          <a:p>
+            <a:pPr lvl="1"/>
+            <a:r>
+              <a:rPr lang="zh-CN" altLang="en-US"/>
+              <a:t>storm.cluster.mode</a:t>
+            </a:r>
+            <a:r>
+              <a:rPr lang="en-US" altLang="zh-CN"/>
+              <a:t>=local</a:t>
+            </a:r>
+            <a:endParaRPr lang="en-US" altLang="zh-CN"/>
+          </a:p>
+          <a:p>
+            <a:pPr lvl="1"/>
+            <a:r>
+              <a:rPr lang="en-US" altLang="zh-CN"/>
+              <a:t>1)</a:t>
+            </a:r>
+            <a:r>
+              <a:rPr lang="zh-CN" altLang="en-US"/>
+              <a:t>启动后</a:t>
+            </a:r>
+            <a:r>
+              <a:rPr lang="en-US" altLang="zh-CN"/>
+              <a:t>shutdown,</a:t>
+            </a:r>
+            <a:r>
+              <a:rPr lang="zh-CN" altLang="en-US"/>
+              <a:t>但是</a:t>
+            </a:r>
+            <a:r>
+              <a:rPr lang="zh-CN" altLang="en-US">
+                <a:sym typeface="+mn-ea"/>
+              </a:rPr>
+              <a:t>ps -ef |grep ExchangeAgg-0.0.1-remote.jar</a:t>
+            </a:r>
+            <a:r>
+              <a:rPr lang="zh-CN" altLang="en-US"/>
+              <a:t>进程还在</a:t>
+            </a:r>
+            <a:r>
+              <a:rPr lang="en-US" altLang="zh-CN"/>
+              <a:t> </a:t>
+            </a:r>
+            <a:endParaRPr lang="en-US" altLang="zh-CN"/>
+          </a:p>
+          <a:p>
+            <a:pPr lvl="1"/>
+            <a:r>
+              <a:rPr lang="en-US" altLang="zh-CN"/>
+              <a:t>1)storm-ui </a:t>
+            </a:r>
+            <a:r>
+              <a:rPr lang="zh-CN" altLang="en-US"/>
+              <a:t>不显示该</a:t>
+            </a:r>
+            <a:r>
+              <a:rPr lang="en-US" altLang="zh-CN"/>
+              <a:t>topology</a:t>
+            </a:r>
+            <a:endParaRPr lang="en-US" altLang="zh-CN"/>
+          </a:p>
+          <a:p>
+            <a:pPr lvl="1"/>
+            <a:r>
+              <a:rPr lang="en-US" altLang="zh-CN"/>
+              <a:t>2)storm list</a:t>
+            </a:r>
+            <a:r>
+              <a:rPr lang="zh-CN" altLang="en-US"/>
+              <a:t>也没有</a:t>
+            </a:r>
+            <a:endParaRPr lang="zh-CN" altLang="en-US"/>
+          </a:p>
+          <a:p>
+            <a:pPr lvl="1"/>
+            <a:r>
+              <a:rPr lang="en-US" altLang="zh-CN"/>
+              <a:t>3)storm kill</a:t>
+            </a:r>
+            <a:r>
+              <a:rPr lang="zh-CN" altLang="en-US"/>
+              <a:t>也报不存在</a:t>
+            </a:r>
+            <a:endParaRPr lang="zh-CN" altLang="en-US"/>
+          </a:p>
+          <a:p>
+            <a:r>
+              <a:rPr lang="zh-CN" altLang="en-US"/>
+              <a:t>修改</a:t>
+            </a:r>
+            <a:r>
+              <a:rPr lang="en-US" altLang="zh-CN"/>
+              <a:t>topology</a:t>
+            </a:r>
+            <a:r>
+              <a:rPr lang="zh-CN" altLang="en-US"/>
+              <a:t>配置：从</a:t>
+            </a:r>
+            <a:r>
+              <a:rPr lang="en-US" altLang="zh-CN"/>
+              <a:t>Local</a:t>
+            </a:r>
+            <a:r>
+              <a:rPr lang="zh-CN" altLang="en-US"/>
+              <a:t>模式改成</a:t>
+            </a:r>
+            <a:r>
+              <a:rPr lang="en-US" altLang="zh-CN"/>
+              <a:t>distributed</a:t>
+            </a:r>
+            <a:r>
+              <a:rPr lang="zh-CN" altLang="en-US"/>
+              <a:t>模式</a:t>
+            </a:r>
+            <a:endParaRPr lang="zh-CN" altLang="en-US"/>
+          </a:p>
+          <a:p>
+            <a:pPr lvl="1"/>
+            <a:r>
+              <a:rPr lang="zh-CN" altLang="en-US">
+                <a:sym typeface="+mn-ea"/>
+              </a:rPr>
+              <a:t>storm.cluster.mode</a:t>
+            </a:r>
+            <a:r>
+              <a:rPr lang="en-US" altLang="zh-CN">
+                <a:sym typeface="+mn-ea"/>
+              </a:rPr>
+              <a:t>=distributed</a:t>
+            </a:r>
+            <a:endParaRPr lang="en-US" altLang="zh-CN">
+              <a:sym typeface="+mn-ea"/>
+            </a:endParaRPr>
+          </a:p>
+          <a:p>
+            <a:pPr lvl="1"/>
+            <a:r>
+              <a:rPr lang="zh-CN" altLang="en-US">
+                <a:sym typeface="+mn-ea"/>
+              </a:rPr>
+              <a:t>启动后进程消失；</a:t>
+            </a:r>
+            <a:endParaRPr lang="zh-CN" altLang="en-US">
+              <a:sym typeface="+mn-ea"/>
+            </a:endParaRPr>
+          </a:p>
+          <a:p>
+            <a:pPr lvl="1"/>
+            <a:r>
+              <a:rPr lang="en-US" altLang="zh-CN">
+                <a:sym typeface="+mn-ea"/>
+              </a:rPr>
+              <a:t>storm-ui; strom list </a:t>
+            </a:r>
+            <a:r>
+              <a:rPr lang="zh-CN" altLang="en-US">
+                <a:sym typeface="+mn-ea"/>
+              </a:rPr>
+              <a:t>都可以查到该</a:t>
+            </a:r>
+            <a:r>
+              <a:rPr lang="en-US" altLang="zh-CN">
+                <a:sym typeface="+mn-ea"/>
+              </a:rPr>
+              <a:t>topology</a:t>
+            </a:r>
+            <a:endParaRPr lang="en-US" altLang="zh-CN">
+              <a:sym typeface="+mn-ea"/>
+            </a:endParaRPr>
+          </a:p>
+          <a:p>
+            <a:endParaRPr lang="zh-CN" altLang="en-US"/>
+          </a:p>
+        </p:txBody>
+      </p:sp>
+    </p:spTree>
+  </p:cSld>
+  <p:clrMapOvr>
+    <a:masterClrMapping/>
+  </p:clrMapOvr>
+</p:sld>
+</file>
+
+<file path=ppt/slides/slide21.xml><?xml version="1.0" encoding="utf-8"?>
+<p:sld xmlns:a="http://schemas.openxmlformats.org/drawingml/2006/main" xmlns:r="http://schemas.openxmlformats.org/officeDocument/2006/relationships" xmlns:p="http://schemas.openxmlformats.org/presentationml/2006/main">
+  <p:cSld>
+    <p:spTree>
+      <p:nvGrpSpPr>
+        <p:cNvPr id="1" name=""/>
+        <p:cNvGrpSpPr/>
+        <p:nvPr/>
+      </p:nvGrpSpPr>
+      <p:grpSpPr/>
+      <p:sp>
+        <p:nvSpPr>
+          <p:cNvPr id="2" name="标题 1"/>
+          <p:cNvSpPr>
+            <a:spLocks noGrp="1"/>
+          </p:cNvSpPr>
+          <p:nvPr>
+            <p:ph type="title"/>
+          </p:nvPr>
+        </p:nvSpPr>
+        <p:spPr/>
+        <p:txBody>
+          <a:bodyPr/>
+          <a:p>
+            <a:endParaRPr lang="zh-CN" altLang="en-US"/>
+          </a:p>
+        </p:txBody>
+      </p:sp>
+      <p:sp>
+        <p:nvSpPr>
+          <p:cNvPr id="3" name="内容占位符 2"/>
+          <p:cNvSpPr>
+            <a:spLocks noGrp="1"/>
+          </p:cNvSpPr>
+          <p:nvPr>
+            <p:ph idx="1"/>
+          </p:nvPr>
+        </p:nvSpPr>
+        <p:spPr/>
+        <p:txBody>
+          <a:bodyPr/>
+          <a:p>
+            <a:r>
+              <a:rPr lang="zh-CN" altLang="en-US"/>
+              <a:t>storm提交topology任务大概分为5个角色，一是：client，二是nimbus，三是zookeeper，四是supervisor，五是worker</a:t>
+            </a:r>
+            <a:endParaRPr lang="zh-CN" altLang="en-US"/>
+          </a:p>
+          <a:p>
+            <a:r>
+              <a:rPr lang="zh-CN" altLang="en-US"/>
+              <a:t>1.client：提交topology</a:t>
+            </a:r>
+            <a:endParaRPr lang="zh-CN" altLang="en-US"/>
+          </a:p>
+          <a:p>
+            <a:endParaRPr lang="zh-CN" altLang="en-US"/>
+          </a:p>
+          <a:p>
+            <a:endParaRPr lang="zh-CN" altLang="en-US"/>
+          </a:p>
+          <a:p>
+            <a:endParaRPr lang="zh-CN" altLang="en-US"/>
+          </a:p>
+        </p:txBody>
+      </p:sp>
+    </p:spTree>
+  </p:cSld>
+  <p:clrMapOvr>
+    <a:masterClrMapping/>
+  </p:clrMapOvr>
+</p:sld>
+</file>
+
+<file path=ppt/slides/slide22.xml><?xml version="1.0" encoding="utf-8"?>
+<p:sld xmlns:a="http://schemas.openxmlformats.org/drawingml/2006/main" xmlns:r="http://schemas.openxmlformats.org/officeDocument/2006/relationships" xmlns:p="http://schemas.openxmlformats.org/presentationml/2006/main">
+  <p:cSld>
+    <p:spTree>
+      <p:nvGrpSpPr>
+        <p:cNvPr id="1" name=""/>
+        <p:cNvGrpSpPr/>
+        <p:nvPr/>
+      </p:nvGrpSpPr>
+      <p:grpSpPr/>
+      <p:sp>
+        <p:nvSpPr>
+          <p:cNvPr id="2" name="标题 1"/>
+          <p:cNvSpPr>
+            <a:spLocks noGrp="1"/>
+          </p:cNvSpPr>
+          <p:nvPr>
+            <p:ph type="title"/>
+          </p:nvPr>
+        </p:nvSpPr>
+        <p:spPr/>
+        <p:txBody>
+          <a:bodyPr/>
+          <a:p>
+            <a:endParaRPr lang="zh-CN" altLang="en-US"/>
+          </a:p>
+        </p:txBody>
+      </p:sp>
+      <p:sp>
+        <p:nvSpPr>
+          <p:cNvPr id="3" name="内容占位符 2"/>
+          <p:cNvSpPr>
+            <a:spLocks noGrp="1"/>
+          </p:cNvSpPr>
+          <p:nvPr>
+            <p:ph idx="1"/>
+          </p:nvPr>
+        </p:nvSpPr>
+        <p:spPr/>
+        <p:txBody>
+          <a:bodyPr>
+            <a:normAutofit fontScale="50000"/>
+          </a:bodyPr>
+          <a:p>
+            <a:r>
+              <a:rPr lang="zh-CN" altLang="en-US"/>
+              <a:t>2.nimbus：这个角色所做的操作相对较多，具体如下：</a:t>
+            </a:r>
+            <a:endParaRPr lang="zh-CN" altLang="en-US"/>
+          </a:p>
+          <a:p>
+            <a:r>
+              <a:rPr lang="zh-CN" altLang="en-US"/>
+              <a:t>          a.会把提交的jar包放到nimbus所在服务器的nimbus/inbox目录下</a:t>
+            </a:r>
+            <a:endParaRPr lang="zh-CN" altLang="en-US"/>
+          </a:p>
+          <a:p>
+            <a:r>
+              <a:rPr lang="zh-CN" altLang="en-US"/>
+              <a:t>          b.submitTopology方法会负责topology的处理；包括检查集群是否有active节点、配置文件是否正确、是否有重复的topology名称、各个bolt/spout名是否使用相同的id等。</a:t>
+            </a:r>
+            <a:endParaRPr lang="zh-CN" altLang="en-US"/>
+          </a:p>
+          <a:p>
+            <a:r>
+              <a:rPr lang="zh-CN" altLang="en-US"/>
+              <a:t>          c.建立topology的本地目录，nimbus/stormdist/topology-uuid</a:t>
+            </a:r>
+            <a:endParaRPr lang="zh-CN" altLang="en-US"/>
+          </a:p>
+          <a:p>
+            <a:r>
+              <a:rPr lang="zh-CN" altLang="en-US"/>
+              <a:t>              该目录包括三个文件：</a:t>
+            </a:r>
+            <a:endParaRPr lang="zh-CN" altLang="en-US"/>
+          </a:p>
+          <a:p>
+            <a:r>
+              <a:rPr lang="zh-CN" altLang="en-US"/>
+              <a:t>              stormjar.jar --从nimbus/inbox目录拷贝</a:t>
+            </a:r>
+            <a:endParaRPr lang="zh-CN" altLang="en-US"/>
+          </a:p>
+          <a:p>
+            <a:r>
+              <a:rPr lang="zh-CN" altLang="en-US"/>
+              <a:t>              stormcode.ser --此topology对象的序列化</a:t>
+            </a:r>
+            <a:endParaRPr lang="zh-CN" altLang="en-US"/>
+          </a:p>
+          <a:p>
+            <a:r>
+              <a:rPr lang="zh-CN" altLang="en-US"/>
+              <a:t>              stormconf.ser --此topology的配置文件序列化</a:t>
+            </a:r>
+            <a:endParaRPr lang="zh-CN" altLang="en-US"/>
+          </a:p>
+          <a:p>
+            <a:r>
+              <a:rPr lang="zh-CN" altLang="en-US"/>
+              <a:t>          d.nimbus任务分配，根据topology中的定义，给spout/bolt设置task的数目，并分配对应的task-id,最后把分配好的信息写入到zookeeper的../task目录。</a:t>
+            </a:r>
+            <a:endParaRPr lang="zh-CN" altLang="en-US"/>
+          </a:p>
+          <a:p>
+            <a:r>
+              <a:rPr lang="zh-CN" altLang="en-US"/>
+              <a:t>          e.nimbus在zookeeper上创建taskbeats目录，要求每个task定时向nimbus汇报</a:t>
+            </a:r>
+            <a:endParaRPr lang="zh-CN" altLang="en-US"/>
+          </a:p>
+          <a:p>
+            <a:r>
+              <a:rPr lang="zh-CN" altLang="en-US"/>
+              <a:t>          f.将分配好的任务写入到zookeeper,此时任务提交完毕。zk上的目录为assignments/topology-uuid</a:t>
+            </a:r>
+            <a:endParaRPr lang="zh-CN" altLang="en-US"/>
+          </a:p>
+          <a:p>
+            <a:r>
+              <a:rPr lang="zh-CN" altLang="en-US"/>
+              <a:t>          g.将topology信息写入到zookeeper/storms目录</a:t>
+            </a:r>
+            <a:endParaRPr lang="zh-CN" altLang="en-US"/>
+          </a:p>
+        </p:txBody>
+      </p:sp>
+    </p:spTree>
+  </p:cSld>
+  <p:clrMapOvr>
+    <a:masterClrMapping/>
+  </p:clrMapOvr>
+</p:sld>
+</file>
+
+<file path=ppt/slides/slide23.xml><?xml version="1.0" encoding="utf-8"?>
+<p:sld xmlns:a="http://schemas.openxmlformats.org/drawingml/2006/main" xmlns:r="http://schemas.openxmlformats.org/officeDocument/2006/relationships" xmlns:p="http://schemas.openxmlformats.org/presentationml/2006/main">
+  <p:cSld>
+    <p:spTree>
+      <p:nvGrpSpPr>
+        <p:cNvPr id="1" name=""/>
+        <p:cNvGrpSpPr/>
+        <p:nvPr/>
+      </p:nvGrpSpPr>
+      <p:grpSpPr/>
+      <p:sp>
+        <p:nvSpPr>
+          <p:cNvPr id="2" name="标题 1"/>
+          <p:cNvSpPr>
+            <a:spLocks noGrp="1"/>
+          </p:cNvSpPr>
+          <p:nvPr>
+            <p:ph type="title"/>
+          </p:nvPr>
+        </p:nvSpPr>
+        <p:spPr/>
+        <p:txBody>
+          <a:bodyPr/>
+          <a:p>
+            <a:endParaRPr lang="zh-CN" altLang="en-US"/>
+          </a:p>
+        </p:txBody>
+      </p:sp>
+      <p:sp>
+        <p:nvSpPr>
+          <p:cNvPr id="3" name="内容占位符 2"/>
+          <p:cNvSpPr>
+            <a:spLocks noGrp="1"/>
+          </p:cNvSpPr>
+          <p:nvPr>
+            <p:ph idx="1"/>
+          </p:nvPr>
+        </p:nvSpPr>
+        <p:spPr/>
+        <p:txBody>
+          <a:bodyPr/>
+          <a:p>
+            <a:r>
+              <a:rPr lang="zh-CN" altLang="en-US"/>
+              <a:t>3.supervisor</a:t>
+            </a:r>
+            <a:endParaRPr lang="zh-CN" altLang="en-US"/>
+          </a:p>
+          <a:p>
+            <a:r>
+              <a:rPr lang="zh-CN" altLang="en-US"/>
+              <a:t>          a.定期扫描zookeeper上的storms目录，看看是否有新的任务，有就下载。</a:t>
+            </a:r>
+            <a:endParaRPr lang="zh-CN" altLang="en-US"/>
+          </a:p>
+          <a:p>
+            <a:r>
+              <a:rPr lang="zh-CN" altLang="en-US"/>
+              <a:t>          b.删除本地不需要的topology</a:t>
+            </a:r>
+            <a:endParaRPr lang="zh-CN" altLang="en-US"/>
+          </a:p>
+          <a:p>
+            <a:r>
+              <a:rPr lang="zh-CN" altLang="en-US"/>
+              <a:t>          c.根据nimbus指定的任务信息启动worker</a:t>
+            </a:r>
+            <a:endParaRPr lang="zh-CN" altLang="en-US"/>
+          </a:p>
+        </p:txBody>
+      </p:sp>
+    </p:spTree>
+  </p:cSld>
+  <p:clrMapOvr>
+    <a:masterClrMapping/>
+  </p:clrMapOvr>
+</p:sld>
+</file>
+
+<file path=ppt/slides/slide24.xml><?xml version="1.0" encoding="utf-8"?>
+<p:sld xmlns:a="http://schemas.openxmlformats.org/drawingml/2006/main" xmlns:r="http://schemas.openxmlformats.org/officeDocument/2006/relationships" xmlns:p="http://schemas.openxmlformats.org/presentationml/2006/main">
+  <p:cSld>
+    <p:spTree>
+      <p:nvGrpSpPr>
+        <p:cNvPr id="1" name=""/>
+        <p:cNvGrpSpPr/>
+        <p:nvPr/>
+      </p:nvGrpSpPr>
+      <p:grpSpPr/>
+      <p:sp>
+        <p:nvSpPr>
+          <p:cNvPr id="2" name="标题 1"/>
+          <p:cNvSpPr>
+            <a:spLocks noGrp="1"/>
+          </p:cNvSpPr>
+          <p:nvPr>
+            <p:ph type="title"/>
+          </p:nvPr>
+        </p:nvSpPr>
+        <p:spPr/>
+        <p:txBody>
+          <a:bodyPr/>
+          <a:p>
+            <a:endParaRPr lang="zh-CN" altLang="en-US"/>
+          </a:p>
+        </p:txBody>
+      </p:sp>
+      <p:sp>
+        <p:nvSpPr>
+          <p:cNvPr id="3" name="内容占位符 2"/>
+          <p:cNvSpPr>
+            <a:spLocks noGrp="1"/>
+          </p:cNvSpPr>
+          <p:nvPr>
+            <p:ph idx="1"/>
+          </p:nvPr>
+        </p:nvSpPr>
+        <p:spPr/>
+        <p:txBody>
+          <a:bodyPr/>
+          <a:p>
+            <a:r>
+              <a:rPr lang="zh-CN" altLang="en-US"/>
+              <a:t>4.worker</a:t>
+            </a:r>
+            <a:endParaRPr lang="zh-CN" altLang="en-US"/>
+          </a:p>
+          <a:p>
+            <a:r>
+              <a:rPr lang="zh-CN" altLang="en-US"/>
+              <a:t>          a.查看需要执行的任务，根据任务id分辨出spout/bolt任务</a:t>
+            </a:r>
+            <a:endParaRPr lang="zh-CN" altLang="en-US"/>
+          </a:p>
+          <a:p>
+            <a:r>
+              <a:rPr lang="zh-CN" altLang="en-US"/>
+              <a:t>          b.计算出所代表的spout/bolt会给哪些task发送信息</a:t>
+            </a:r>
+            <a:endParaRPr lang="zh-CN" altLang="en-US"/>
+          </a:p>
+          <a:p>
+            <a:r>
+              <a:rPr lang="zh-CN" altLang="en-US"/>
+              <a:t>          c.执行spout任务或者blot任务</a:t>
+            </a:r>
+            <a:endParaRPr lang="zh-CN" altLang="en-US"/>
+          </a:p>
+        </p:txBody>
+      </p:sp>
+    </p:spTree>
+  </p:cSld>
+  <p:clrMapOvr>
+    <a:masterClrMapping/>
+  </p:clrMapOvr>
+</p:sld>
+</file>
+
+<file path=ppt/slides/slide25.xml><?xml version="1.0" encoding="utf-8"?>
+<p:sld xmlns:a="http://schemas.openxmlformats.org/drawingml/2006/main" xmlns:r="http://schemas.openxmlformats.org/officeDocument/2006/relationships" xmlns:p="http://schemas.openxmlformats.org/presentationml/2006/main">
+  <p:cSld>
+    <p:spTree>
+      <p:nvGrpSpPr>
+        <p:cNvPr id="1" name=""/>
+        <p:cNvGrpSpPr/>
+        <p:nvPr/>
+      </p:nvGrpSpPr>
+      <p:grpSpPr/>
+      <p:sp>
+        <p:nvSpPr>
+          <p:cNvPr id="2" name="标题 1"/>
+          <p:cNvSpPr>
+            <a:spLocks noGrp="1"/>
+          </p:cNvSpPr>
+          <p:nvPr>
+            <p:ph type="title"/>
+          </p:nvPr>
+        </p:nvSpPr>
+        <p:spPr/>
+        <p:txBody>
+          <a:bodyPr/>
+          <a:p>
+            <a:endParaRPr lang="zh-CN" altLang="en-US"/>
+          </a:p>
+        </p:txBody>
+      </p:sp>
+      <p:sp>
+        <p:nvSpPr>
+          <p:cNvPr id="3" name="内容占位符 2"/>
+          <p:cNvSpPr>
+            <a:spLocks noGrp="1"/>
+          </p:cNvSpPr>
+          <p:nvPr>
+            <p:ph idx="1"/>
+          </p:nvPr>
+        </p:nvSpPr>
+        <p:spPr/>
+        <p:txBody>
+          <a:bodyPr>
+            <a:normAutofit lnSpcReduction="10000"/>
+          </a:bodyPr>
+          <a:p>
+            <a:r>
+              <a:rPr lang="zh-CN" altLang="en-US"/>
+              <a:t>　　向集群提交任务:</a:t>
+            </a:r>
+            <a:endParaRPr lang="zh-CN" altLang="en-US"/>
+          </a:p>
+          <a:p>
+            <a:r>
+              <a:rPr lang="zh-CN" altLang="en-US"/>
+              <a:t>　　1）启动Storm Topology：</a:t>
+            </a:r>
+            <a:endParaRPr lang="zh-CN" altLang="en-US"/>
+          </a:p>
+          <a:p>
+            <a:r>
+              <a:rPr lang="zh-CN" altLang="en-US"/>
+              <a:t>　　storm jar allmycod.MyTopology arg1 arg2 arg3</a:t>
+            </a:r>
+            <a:endParaRPr lang="zh-CN" altLang="en-US"/>
+          </a:p>
+          <a:p>
+            <a:r>
+              <a:rPr lang="zh-CN" altLang="en-US"/>
+              <a:t>　　其中，allmycode.jar是包含Topology实现代码的jar包，.MyTopology的main方法是Topology的入口，arg1、arg2和arg3为.MyTopology执行时需要传入的参数。</a:t>
+            </a:r>
+            <a:endParaRPr lang="zh-CN" altLang="en-US"/>
+          </a:p>
+          <a:p>
+            <a:r>
+              <a:rPr lang="zh-CN" altLang="en-US"/>
+              <a:t>　　2）停止Storm Topology：</a:t>
+            </a:r>
+            <a:endParaRPr lang="zh-CN" altLang="en-US"/>
+          </a:p>
+          <a:p>
+            <a:r>
+              <a:rPr lang="zh-CN" altLang="en-US"/>
+              <a:t>　　storm kill {toponame}</a:t>
+            </a:r>
+            <a:endParaRPr lang="zh-CN" altLang="en-US"/>
+          </a:p>
+          <a:p>
+            <a:r>
+              <a:rPr lang="zh-CN" altLang="en-US"/>
+              <a:t>　　其中，{toponame}为Topology提交到Storm集群时指定的Topology任务名称。</a:t>
+            </a:r>
+            <a:endParaRPr lang="zh-CN" altLang="en-US"/>
+          </a:p>
+        </p:txBody>
+      </p:sp>
+    </p:spTree>
+  </p:cSld>
+  <p:clrMapOvr>
+    <a:masterClrMapping/>
+  </p:clrMapOvr>
+</p:sld>
+</file>
+
+<file path=ppt/slides/slide26.xml><?xml version="1.0" encoding="utf-8"?>
+<p:sld xmlns:a="http://schemas.openxmlformats.org/drawingml/2006/main" xmlns:r="http://schemas.openxmlformats.org/officeDocument/2006/relationships" xmlns:p="http://schemas.openxmlformats.org/presentationml/2006/main">
+  <p:cSld>
+    <p:spTree>
+      <p:nvGrpSpPr>
+        <p:cNvPr id="1" name=""/>
+        <p:cNvGrpSpPr/>
+        <p:nvPr/>
+      </p:nvGrpSpPr>
+      <p:grpSpPr/>
+      <p:sp>
+        <p:nvSpPr>
+          <p:cNvPr id="2" name="标题 1"/>
+          <p:cNvSpPr>
+            <a:spLocks noGrp="1"/>
+          </p:cNvSpPr>
+          <p:nvPr>
+            <p:ph type="title"/>
+          </p:nvPr>
+        </p:nvSpPr>
+        <p:spPr/>
+        <p:txBody>
+          <a:bodyPr/>
+          <a:p>
+            <a:r>
+              <a:rPr lang="zh-CN" altLang="en-US"/>
+              <a:t>例子：com.zdx.rocketmq </a:t>
+            </a:r>
+            <a:endParaRPr lang="en-US" altLang="zh-CN"/>
+          </a:p>
+        </p:txBody>
+      </p:sp>
+      <p:sp>
+        <p:nvSpPr>
+          <p:cNvPr id="3" name="内容占位符 2"/>
+          <p:cNvSpPr>
+            <a:spLocks noGrp="1"/>
+          </p:cNvSpPr>
+          <p:nvPr>
+            <p:ph idx="1"/>
+          </p:nvPr>
+        </p:nvSpPr>
+        <p:spPr/>
+        <p:txBody>
+          <a:bodyPr>
+            <a:normAutofit fontScale="80000"/>
+          </a:bodyPr>
+          <a:p>
+            <a:r>
+              <a:rPr lang="zh-CN" altLang="en-US" sz="2800">
+                <a:sym typeface="+mn-ea"/>
+              </a:rPr>
+              <a:t>生产消息</a:t>
+            </a:r>
+            <a:endParaRPr lang="zh-CN" altLang="en-US" sz="2800"/>
+          </a:p>
+          <a:p>
+            <a:pPr lvl="1"/>
+            <a:r>
+              <a:rPr lang="en-US" altLang="zh-CN" sz="2800">
+                <a:sym typeface="+mn-ea"/>
+              </a:rPr>
+              <a:t>Parallec </a:t>
+            </a:r>
+            <a:r>
+              <a:rPr lang="zh-CN" altLang="en-US" sz="2800">
+                <a:sym typeface="+mn-ea"/>
+              </a:rPr>
+              <a:t>采集数据 发送给 </a:t>
+            </a:r>
+            <a:r>
+              <a:rPr lang="en-US" altLang="zh-CN" sz="2800">
+                <a:sym typeface="+mn-ea"/>
+              </a:rPr>
+              <a:t>RocketMQ</a:t>
+            </a:r>
+            <a:r>
+              <a:rPr lang="zh-CN" altLang="en-US" sz="2800">
+                <a:sym typeface="+mn-ea"/>
+              </a:rPr>
+              <a:t>的</a:t>
+            </a:r>
+            <a:r>
+              <a:rPr lang="en-US" altLang="zh-CN" sz="2800">
+                <a:sym typeface="+mn-ea"/>
+              </a:rPr>
+              <a:t>broker</a:t>
+            </a:r>
+            <a:endParaRPr lang="en-US" altLang="zh-CN" sz="2800"/>
+          </a:p>
+          <a:p>
+            <a:pPr lvl="0"/>
+            <a:r>
+              <a:rPr lang="zh-CN" altLang="en-US" sz="2800">
+                <a:sym typeface="+mn-ea"/>
+              </a:rPr>
+              <a:t>消费消息</a:t>
+            </a:r>
+            <a:endParaRPr lang="zh-CN" altLang="en-US" sz="2800"/>
+          </a:p>
+          <a:p>
+            <a:pPr lvl="1"/>
+            <a:r>
+              <a:rPr lang="zh-CN" altLang="en-US" sz="2800">
+                <a:sym typeface="+mn-ea"/>
+              </a:rPr>
+              <a:t>从</a:t>
+            </a:r>
+            <a:r>
+              <a:rPr lang="en-US" altLang="zh-CN" sz="2800">
+                <a:sym typeface="+mn-ea"/>
+              </a:rPr>
+              <a:t>RocketMQ</a:t>
+            </a:r>
+            <a:r>
+              <a:rPr lang="zh-CN" altLang="en-US" sz="2800">
+                <a:sym typeface="+mn-ea"/>
+              </a:rPr>
+              <a:t>的</a:t>
+            </a:r>
+            <a:r>
+              <a:rPr lang="en-US" altLang="zh-CN" sz="2800">
+                <a:sym typeface="+mn-ea"/>
+              </a:rPr>
+              <a:t>broker</a:t>
+            </a:r>
+            <a:r>
+              <a:rPr lang="zh-CN" altLang="en-US" sz="2800">
+                <a:sym typeface="+mn-ea"/>
+              </a:rPr>
+              <a:t>取出消息</a:t>
+            </a:r>
+            <a:endParaRPr lang="zh-CN" altLang="en-US" sz="2800">
+              <a:sym typeface="+mn-ea"/>
+            </a:endParaRPr>
+          </a:p>
+          <a:p>
+            <a:pPr lvl="1"/>
+            <a:r>
+              <a:rPr lang="zh-CN" altLang="en-US" sz="2800">
+                <a:sym typeface="+mn-ea"/>
+              </a:rPr>
+              <a:t>将消息发送给</a:t>
+            </a:r>
+            <a:r>
+              <a:rPr lang="en-US" altLang="zh-CN" sz="2800">
+                <a:sym typeface="+mn-ea"/>
+              </a:rPr>
+              <a:t>GatewayWorker</a:t>
+            </a:r>
+            <a:endParaRPr lang="en-US" altLang="zh-CN" sz="2800">
+              <a:sym typeface="+mn-ea"/>
+            </a:endParaRPr>
+          </a:p>
+          <a:p>
+            <a:pPr lvl="0"/>
+            <a:r>
+              <a:rPr lang="zh-CN" altLang="en-US" sz="3265">
+                <a:sym typeface="+mn-ea"/>
+              </a:rPr>
+              <a:t>客户端连接</a:t>
+            </a:r>
+            <a:r>
+              <a:rPr lang="en-US" altLang="zh-CN" sz="3265">
+                <a:sym typeface="+mn-ea"/>
+              </a:rPr>
+              <a:t>GatewayWorker</a:t>
+            </a:r>
+            <a:endParaRPr lang="en-US" altLang="zh-CN" sz="3265">
+              <a:sym typeface="+mn-ea"/>
+            </a:endParaRPr>
+          </a:p>
+          <a:p>
+            <a:pPr lvl="1"/>
+            <a:r>
+              <a:rPr lang="en-US" altLang="zh-CN" sz="2395">
+                <a:sym typeface="+mn-ea"/>
+              </a:rPr>
+              <a:t>GatewayWorker</a:t>
+            </a:r>
+            <a:r>
+              <a:rPr lang="zh-CN" altLang="en-US" sz="2395">
+                <a:sym typeface="+mn-ea"/>
+              </a:rPr>
+              <a:t>将消息推送到浏览器</a:t>
+            </a:r>
+            <a:endParaRPr lang="zh-CN" altLang="en-US" sz="2395">
+              <a:sym typeface="+mn-ea"/>
+            </a:endParaRPr>
+          </a:p>
+          <a:p>
+            <a:endParaRPr lang="zh-CN" altLang="en-US"/>
+          </a:p>
+          <a:p>
+            <a:r>
+              <a:rPr lang="zh-CN" altLang="en-US"/>
+              <a:t>Res = {"date":"1509326916","ticker":{"high":"314.95","vol":"668.68","last":"311.18","low":"293.68","buy":"310.15","sell":"311.18"},</a:t>
+            </a:r>
+            <a:r>
+              <a:rPr lang="zh-CN" altLang="en-US">
+                <a:solidFill>
+                  <a:srgbClr val="FF0000"/>
+                </a:solidFill>
+              </a:rPr>
+              <a:t>"host":"okcoin.com"</a:t>
+            </a:r>
+            <a:r>
+              <a:rPr lang="zh-CN" altLang="en-US"/>
+              <a:t>}</a:t>
+            </a:r>
+            <a:endParaRPr lang="zh-CN" altLang="en-US"/>
+          </a:p>
+          <a:p>
+            <a:endParaRPr lang="zh-CN" altLang="en-US"/>
+          </a:p>
+        </p:txBody>
+      </p:sp>
+    </p:spTree>
+  </p:cSld>
+  <p:clrMapOvr>
+    <a:masterClrMapping/>
+  </p:clrMapOvr>
+</p:sld>
+</file>
+
+<file path=ppt/slides/slide27.xml><?xml version="1.0" encoding="utf-8"?>
+<p:sld xmlns:a="http://schemas.openxmlformats.org/drawingml/2006/main" xmlns:r="http://schemas.openxmlformats.org/officeDocument/2006/relationships" xmlns:p="http://schemas.openxmlformats.org/presentationml/2006/main">
+  <p:cSld>
+    <p:spTree>
+      <p:nvGrpSpPr>
+        <p:cNvPr id="1" name=""/>
+        <p:cNvGrpSpPr/>
+        <p:nvPr/>
+      </p:nvGrpSpPr>
+      <p:grpSpPr/>
+      <p:sp>
+        <p:nvSpPr>
+          <p:cNvPr id="2" name="标题 1"/>
+          <p:cNvSpPr>
+            <a:spLocks noGrp="1"/>
+          </p:cNvSpPr>
+          <p:nvPr>
+            <p:ph type="title"/>
+          </p:nvPr>
+        </p:nvSpPr>
+        <p:spPr/>
+        <p:txBody>
+          <a:bodyPr/>
+          <a:p>
+            <a:r>
+              <a:rPr lang="zh-CN" altLang="en-US"/>
+              <a:t>例子</a:t>
+            </a:r>
+            <a:endParaRPr lang="zh-CN" altLang="en-US"/>
+          </a:p>
+        </p:txBody>
+      </p:sp>
+      <p:sp>
+        <p:nvSpPr>
+          <p:cNvPr id="3" name="内容占位符 2"/>
+          <p:cNvSpPr>
+            <a:spLocks noGrp="1"/>
+          </p:cNvSpPr>
+          <p:nvPr>
+            <p:ph idx="1"/>
+          </p:nvPr>
+        </p:nvSpPr>
+        <p:spPr/>
+        <p:txBody>
+          <a:bodyPr/>
+          <a:p>
+            <a:r>
+              <a:rPr lang="zh-CN" altLang="en-US"/>
+              <a:t>生产消息</a:t>
+            </a:r>
+            <a:endParaRPr lang="zh-CN" altLang="en-US"/>
+          </a:p>
+          <a:p>
+            <a:pPr lvl="1"/>
+            <a:r>
+              <a:rPr lang="en-US" altLang="zh-CN"/>
+              <a:t>Parallec </a:t>
+            </a:r>
+            <a:r>
+              <a:rPr lang="zh-CN" altLang="en-US"/>
+              <a:t>采集数据 发送给 </a:t>
+            </a:r>
+            <a:r>
+              <a:rPr lang="en-US" altLang="zh-CN"/>
+              <a:t>RocketMQ</a:t>
+            </a:r>
+            <a:r>
+              <a:rPr lang="zh-CN" altLang="en-US"/>
+              <a:t>的</a:t>
+            </a:r>
+            <a:r>
+              <a:rPr lang="en-US" altLang="zh-CN"/>
+              <a:t>broker</a:t>
+            </a:r>
+            <a:endParaRPr lang="en-US" altLang="zh-CN"/>
+          </a:p>
+          <a:p>
+            <a:pPr lvl="0"/>
+            <a:r>
+              <a:rPr lang="zh-CN" altLang="en-US"/>
+              <a:t>消费消息</a:t>
+            </a:r>
+            <a:endParaRPr lang="zh-CN" altLang="en-US"/>
+          </a:p>
+          <a:p>
+            <a:pPr lvl="1"/>
+            <a:r>
+              <a:rPr lang="en-US" altLang="zh-CN">
+                <a:sym typeface="+mn-ea"/>
+              </a:rPr>
+              <a:t>JStorm-&gt;Spout</a:t>
+            </a:r>
+            <a:r>
+              <a:rPr lang="zh-CN" altLang="en-US">
+                <a:sym typeface="+mn-ea"/>
+              </a:rPr>
+              <a:t>从</a:t>
+            </a:r>
+            <a:r>
+              <a:rPr lang="en-US" altLang="zh-CN">
+                <a:sym typeface="+mn-ea"/>
+              </a:rPr>
+              <a:t>RocketMQ</a:t>
+            </a:r>
+            <a:r>
+              <a:rPr lang="zh-CN" altLang="en-US">
+                <a:sym typeface="+mn-ea"/>
+              </a:rPr>
+              <a:t>的</a:t>
+            </a:r>
+            <a:r>
+              <a:rPr lang="en-US" altLang="zh-CN">
+                <a:sym typeface="+mn-ea"/>
+              </a:rPr>
+              <a:t>broker</a:t>
+            </a:r>
+            <a:r>
+              <a:rPr lang="zh-CN" altLang="en-US">
+                <a:sym typeface="+mn-ea"/>
+              </a:rPr>
+              <a:t>取出消息</a:t>
+            </a:r>
+            <a:endParaRPr lang="en-US" altLang="zh-CN">
+              <a:sym typeface="+mn-ea"/>
+            </a:endParaRPr>
+          </a:p>
+          <a:p>
+            <a:pPr lvl="1"/>
+            <a:r>
+              <a:rPr lang="zh-CN" altLang="en-US">
+                <a:sym typeface="+mn-ea"/>
+              </a:rPr>
+              <a:t>传递消息给</a:t>
+            </a:r>
+            <a:r>
+              <a:rPr lang="en-US" altLang="zh-CN">
+                <a:sym typeface="+mn-ea"/>
+              </a:rPr>
+              <a:t>JStorm-&gt;Bolt</a:t>
+            </a:r>
+            <a:endParaRPr lang="en-US" altLang="zh-CN">
+              <a:sym typeface="+mn-ea"/>
+            </a:endParaRPr>
+          </a:p>
+          <a:p>
+            <a:pPr lvl="1"/>
+            <a:r>
+              <a:rPr lang="en-US" altLang="zh-CN">
+                <a:sym typeface="+mn-ea"/>
+              </a:rPr>
+              <a:t>Bolt-&gt;GatewayWorker</a:t>
+            </a:r>
+            <a:endParaRPr lang="en-US" altLang="zh-CN">
+              <a:sym typeface="+mn-ea"/>
+            </a:endParaRPr>
+          </a:p>
+        </p:txBody>
+      </p:sp>
+    </p:spTree>
+  </p:cSld>
+  <p:clrMapOvr>
+    <a:masterClrMapping/>
+  </p:clrMapOvr>
+</p:sld>
+</file>
+
+<file path=ppt/slides/slide28.xml><?xml version="1.0" encoding="utf-8"?>
+<p:sld xmlns:a="http://schemas.openxmlformats.org/drawingml/2006/main" xmlns:r="http://schemas.openxmlformats.org/officeDocument/2006/relationships" xmlns:p="http://schemas.openxmlformats.org/presentationml/2006/main">
+  <p:cSld>
+    <p:spTree>
+      <p:nvGrpSpPr>
+        <p:cNvPr id="1" name=""/>
+        <p:cNvGrpSpPr/>
+        <p:nvPr/>
+      </p:nvGrpSpPr>
+      <p:grpSpPr/>
+      <p:sp>
+        <p:nvSpPr>
+          <p:cNvPr id="2" name="标题 1"/>
+          <p:cNvSpPr>
+            <a:spLocks noGrp="1"/>
+          </p:cNvSpPr>
+          <p:nvPr>
+            <p:ph type="title"/>
+          </p:nvPr>
+        </p:nvSpPr>
+        <p:spPr/>
+        <p:txBody>
+          <a:bodyPr/>
+          <a:p>
+            <a:endParaRPr lang="zh-CN" altLang="en-US"/>
+          </a:p>
+        </p:txBody>
+      </p:sp>
+      <p:sp>
+        <p:nvSpPr>
+          <p:cNvPr id="3" name="内容占位符 2"/>
+          <p:cNvSpPr>
+            <a:spLocks noGrp="1"/>
+          </p:cNvSpPr>
+          <p:nvPr>
+            <p:ph idx="1"/>
+          </p:nvPr>
+        </p:nvSpPr>
+        <p:spPr/>
+        <p:txBody>
+          <a:bodyPr>
+            <a:normAutofit lnSpcReduction="10000"/>
+          </a:bodyPr>
+          <a:p>
+            <a:r>
+              <a:rPr lang="en-US" altLang="zh-CN"/>
+              <a:t>Producer</a:t>
+            </a:r>
+            <a:r>
+              <a:rPr lang="zh-CN" altLang="en-US"/>
+              <a:t>可以分布式部署</a:t>
+            </a:r>
+            <a:endParaRPr lang="zh-CN" altLang="en-US"/>
+          </a:p>
+          <a:p>
+            <a:pPr lvl="1"/>
+            <a:r>
+              <a:rPr lang="en-US" altLang="zh-CN"/>
+              <a:t>2</a:t>
+            </a:r>
+            <a:r>
+              <a:rPr lang="zh-CN" altLang="en-US"/>
+              <a:t>个</a:t>
+            </a:r>
+            <a:r>
+              <a:rPr lang="en-US" altLang="zh-CN"/>
+              <a:t>Producer</a:t>
+            </a:r>
+            <a:r>
+              <a:rPr lang="zh-CN" altLang="en-US"/>
+              <a:t>，以交易所为</a:t>
+            </a:r>
+            <a:r>
+              <a:rPr lang="en-US" altLang="zh-CN"/>
+              <a:t>topic</a:t>
+            </a:r>
+            <a:r>
+              <a:rPr lang="zh-CN" altLang="en-US"/>
+              <a:t>单位</a:t>
+            </a:r>
+            <a:endParaRPr lang="zh-CN" altLang="en-US"/>
+          </a:p>
+          <a:p>
+            <a:pPr lvl="0"/>
+            <a:r>
+              <a:rPr lang="en-US" altLang="zh-CN"/>
+              <a:t>PairConsumer</a:t>
+            </a:r>
+            <a:r>
+              <a:rPr lang="zh-CN" altLang="en-US"/>
+              <a:t>可以分布式部署</a:t>
+            </a:r>
+            <a:endParaRPr lang="zh-CN" altLang="en-US"/>
+          </a:p>
+          <a:p>
+            <a:pPr lvl="1"/>
+            <a:r>
+              <a:rPr lang="en-US" altLang="zh-CN"/>
+              <a:t>2</a:t>
+            </a:r>
+            <a:r>
+              <a:rPr lang="zh-CN" altLang="en-US"/>
+              <a:t>个</a:t>
+            </a:r>
+            <a:r>
+              <a:rPr lang="en-US" altLang="zh-CN"/>
+              <a:t>PairConsumer</a:t>
+            </a:r>
+            <a:r>
+              <a:rPr lang="zh-CN" altLang="en-US"/>
+              <a:t>，通过广播方式有交集的消费不同</a:t>
+            </a:r>
+            <a:r>
+              <a:rPr lang="en-US" altLang="zh-CN"/>
+              <a:t>topic</a:t>
+            </a:r>
+            <a:endParaRPr lang="en-US" altLang="zh-CN"/>
+          </a:p>
+          <a:p>
+            <a:pPr lvl="0"/>
+            <a:r>
+              <a:rPr lang="en-US" altLang="zh-CN">
+                <a:sym typeface="+mn-ea"/>
+              </a:rPr>
+              <a:t>TriConsumer</a:t>
+            </a:r>
+            <a:r>
+              <a:rPr lang="zh-CN" altLang="en-US">
+                <a:sym typeface="+mn-ea"/>
+              </a:rPr>
+              <a:t>可以分布式部署</a:t>
+            </a:r>
+            <a:endParaRPr lang="zh-CN" altLang="en-US">
+              <a:sym typeface="+mn-ea"/>
+            </a:endParaRPr>
+          </a:p>
+          <a:p>
+            <a:pPr lvl="1"/>
+            <a:r>
+              <a:rPr lang="en-US" altLang="zh-CN" sz="2400">
+                <a:sym typeface="+mn-ea"/>
+              </a:rPr>
+              <a:t>2个TriConsumer，没有交集</a:t>
+            </a:r>
+            <a:endParaRPr lang="zh-CN" altLang="en-US">
+              <a:sym typeface="+mn-ea"/>
+            </a:endParaRPr>
+          </a:p>
+          <a:p>
+            <a:pPr marL="0" lvl="1"/>
+            <a:r>
+              <a:rPr lang="en-US"/>
+              <a:t>Producer</a:t>
+            </a:r>
+            <a:r>
+              <a:rPr lang="zh-CN" altLang="en-US"/>
+              <a:t>资源消耗正常，日志输出正常</a:t>
+            </a:r>
+            <a:endParaRPr lang="zh-CN" altLang="en-US"/>
+          </a:p>
+          <a:p>
+            <a:pPr marL="0" lvl="1"/>
+            <a:r>
+              <a:rPr lang="zh-CN" altLang="en-US"/>
+              <a:t>多个</a:t>
+            </a:r>
+            <a:r>
+              <a:rPr lang="en-US" altLang="zh-CN"/>
+              <a:t>Consumer</a:t>
+            </a:r>
+            <a:r>
+              <a:rPr lang="zh-CN" altLang="en-US"/>
+              <a:t>能够提交到</a:t>
+            </a:r>
+            <a:r>
+              <a:rPr lang="en-US" altLang="zh-CN"/>
+              <a:t>Storm</a:t>
+            </a:r>
+            <a:r>
+              <a:rPr lang="zh-CN" altLang="en-US"/>
+              <a:t>集群（非</a:t>
+            </a:r>
+            <a:r>
+              <a:rPr lang="en-US" altLang="zh-CN"/>
+              <a:t>local</a:t>
+            </a:r>
+            <a:r>
+              <a:rPr lang="zh-CN" altLang="en-US"/>
+              <a:t>）</a:t>
+            </a:r>
+            <a:r>
+              <a:rPr lang="zh-CN" altLang="en-US"/>
+              <a:t>，资源（</a:t>
+            </a:r>
+            <a:r>
+              <a:rPr lang="en-US" altLang="zh-CN"/>
+              <a:t>cpu/memory/port)</a:t>
+            </a:r>
+            <a:r>
+              <a:rPr lang="zh-CN" altLang="en-US"/>
+              <a:t>消耗正常，日志</a:t>
+            </a:r>
+            <a:r>
+              <a:rPr lang="en-US" altLang="zh-CN"/>
+              <a:t>(storm/</a:t>
+            </a:r>
+            <a:r>
+              <a:rPr lang="zh-CN" altLang="en-US"/>
+              <a:t>应用程序</a:t>
+            </a:r>
+            <a:r>
+              <a:rPr lang="en-US" altLang="zh-CN"/>
+              <a:t>)</a:t>
+            </a:r>
+            <a:r>
+              <a:rPr lang="zh-CN" altLang="en-US"/>
+              <a:t>输入正常</a:t>
+            </a:r>
+            <a:endParaRPr lang="en-US" altLang="zh-CN"/>
+          </a:p>
+          <a:p>
+            <a:pPr lvl="0"/>
+            <a:r>
+              <a:rPr lang="en-US" altLang="zh-CN"/>
+              <a:t>Storm-ui</a:t>
+            </a:r>
+            <a:r>
+              <a:rPr lang="zh-CN" altLang="en-US"/>
+              <a:t>运行正常</a:t>
+            </a:r>
+            <a:endParaRPr lang="zh-CN" altLang="en-US"/>
+          </a:p>
+        </p:txBody>
+      </p:sp>
+    </p:spTree>
+  </p:cSld>
+  <p:clrMapOvr>
+    <a:masterClrMapping/>
+  </p:clrMapOvr>
+</p:sld>
+</file>
+
+<file path=ppt/slides/slide29.xml><?xml version="1.0" encoding="utf-8"?>
+<p:sld xmlns:a="http://schemas.openxmlformats.org/drawingml/2006/main" xmlns:r="http://schemas.openxmlformats.org/officeDocument/2006/relationships" xmlns:p="http://schemas.openxmlformats.org/presentationml/2006/main">
+  <p:cSld>
+    <p:spTree>
+      <p:nvGrpSpPr>
+        <p:cNvPr id="1" name=""/>
+        <p:cNvGrpSpPr/>
+        <p:nvPr/>
+      </p:nvGrpSpPr>
+      <p:grpSpPr/>
+      <p:sp>
+        <p:nvSpPr>
+          <p:cNvPr id="2" name="标题 1"/>
+          <p:cNvSpPr>
+            <a:spLocks noGrp="1"/>
+          </p:cNvSpPr>
+          <p:nvPr>
+            <p:ph type="title"/>
+          </p:nvPr>
+        </p:nvSpPr>
+        <p:spPr/>
+        <p:txBody>
+          <a:bodyPr/>
+          <a:p>
+            <a:endParaRPr lang="zh-CN" altLang="en-US"/>
+          </a:p>
+        </p:txBody>
+      </p:sp>
+      <p:sp>
+        <p:nvSpPr>
+          <p:cNvPr id="3" name="内容占位符 2"/>
+          <p:cNvSpPr>
+            <a:spLocks noGrp="1"/>
+          </p:cNvSpPr>
+          <p:nvPr>
+            <p:ph idx="1"/>
+          </p:nvPr>
+        </p:nvSpPr>
+        <p:spPr/>
+        <p:txBody>
+          <a:bodyPr/>
+          <a:p>
+            <a:r>
+              <a:rPr lang="en-US" altLang="zh-CN"/>
+              <a:t>storm.yaml</a:t>
+            </a:r>
+            <a:r>
+              <a:rPr lang="zh-CN" altLang="en-US"/>
+              <a:t>配置</a:t>
+            </a:r>
+            <a:endParaRPr lang="zh-CN" altLang="en-US"/>
+          </a:p>
+          <a:p>
+            <a:r>
+              <a:rPr lang="en-US" altLang="zh-CN"/>
+              <a:t>jstorm.logback.xml</a:t>
+            </a:r>
+            <a:r>
+              <a:rPr lang="zh-CN" altLang="en-US"/>
+              <a:t>配置</a:t>
+            </a:r>
+            <a:endParaRPr lang="zh-CN" altLang="en-US"/>
+          </a:p>
+          <a:p>
+            <a:endParaRPr lang="en-US" altLang="zh-CN"/>
+          </a:p>
+        </p:txBody>
+      </p:sp>
+    </p:spTree>
+  </p:cSld>
+  <p:clrMapOvr>
+    <a:masterClrMapping/>
+  </p:clrMapOvr>
+</p:sld>
+</file>
+
 <file path=ppt/slides/slide3.xml><?xml version="1.0" encoding="utf-8"?>
 <p:sld xmlns:a="http://schemas.openxmlformats.org/drawingml/2006/main" xmlns:r="http://schemas.openxmlformats.org/officeDocument/2006/relationships" xmlns:p="http://schemas.openxmlformats.org/presentationml/2006/main">
   <p:cSld>
@@ -4069,6 +5363,60 @@
           </a:p>
           <a:p>
             <a:endParaRPr lang="en-US" altLang="zh-CN"/>
+          </a:p>
+        </p:txBody>
+      </p:sp>
+    </p:spTree>
+  </p:cSld>
+  <p:clrMapOvr>
+    <a:masterClrMapping/>
+  </p:clrMapOvr>
+</p:sld>
+</file>
+
+<file path=ppt/slides/slide30.xml><?xml version="1.0" encoding="utf-8"?>
+<p:sld xmlns:a="http://schemas.openxmlformats.org/drawingml/2006/main" xmlns:r="http://schemas.openxmlformats.org/officeDocument/2006/relationships" xmlns:p="http://schemas.openxmlformats.org/presentationml/2006/main">
+  <p:cSld>
+    <p:spTree>
+      <p:nvGrpSpPr>
+        <p:cNvPr id="1" name=""/>
+        <p:cNvGrpSpPr/>
+        <p:nvPr/>
+      </p:nvGrpSpPr>
+      <p:grpSpPr/>
+      <p:sp>
+        <p:nvSpPr>
+          <p:cNvPr id="2" name="标题 1"/>
+          <p:cNvSpPr>
+            <a:spLocks noGrp="1"/>
+          </p:cNvSpPr>
+          <p:nvPr>
+            <p:ph type="title"/>
+          </p:nvPr>
+        </p:nvSpPr>
+        <p:spPr/>
+        <p:txBody>
+          <a:bodyPr/>
+          <a:p>
+            <a:endParaRPr lang="zh-CN" altLang="en-US"/>
+          </a:p>
+        </p:txBody>
+      </p:sp>
+      <p:sp>
+        <p:nvSpPr>
+          <p:cNvPr id="3" name="内容占位符 2"/>
+          <p:cNvSpPr>
+            <a:spLocks noGrp="1"/>
+          </p:cNvSpPr>
+          <p:nvPr>
+            <p:ph idx="1"/>
+          </p:nvPr>
+        </p:nvSpPr>
+        <p:spPr/>
+        <p:txBody>
+          <a:bodyPr/>
+          <a:p>
+            <a:endParaRPr lang="zh-CN" altLang="en-US"/>
           </a:p>
         </p:txBody>
       </p:sp>
@@ -4545,13 +5893,7 @@
               <a:rPr lang="zh-CN" altLang="en-US">
                 <a:sym typeface="+mn-ea"/>
               </a:rPr>
-              <a:t>broker.properties </a:t>
-            </a:r>
-            <a:r>
-              <a:rPr lang="zh-CN" altLang="en-US">
-                <a:sym typeface="+mn-ea"/>
-              </a:rPr>
-              <a:t>&amp;</a:t>
+              <a:t>broker.properties &amp;</a:t>
             </a:r>
             <a:endParaRPr lang="zh-CN" altLang="en-US"/>
           </a:p>

--- a/doc/Coin.pptx
+++ b/doc/Coin.pptx
@@ -5150,11 +5150,7 @@
             </a:r>
             <a:r>
               <a:rPr lang="zh-CN" altLang="en-US"/>
-              <a:t>）</a:t>
-            </a:r>
-            <a:r>
-              <a:rPr lang="zh-CN" altLang="en-US"/>
-              <a:t>，资源（</a:t>
+              <a:t>），资源（</a:t>
             </a:r>
             <a:r>
               <a:rPr lang="en-US" altLang="zh-CN"/>
